--- a/lesson-react-75-mock-testing/react-mock-testing.pptx
+++ b/lesson-react-75-mock-testing/react-mock-testing.pptx
@@ -5,39 +5,40 @@
     <p:sldMasterId id="2147483674" r:id="rId1"/>
   </p:sldMasterIdLst>
   <p:notesMasterIdLst>
-    <p:notesMasterId r:id="rId24"/>
+    <p:notesMasterId r:id="rId25"/>
   </p:notesMasterIdLst>
   <p:handoutMasterIdLst>
-    <p:handoutMasterId r:id="rId25"/>
+    <p:handoutMasterId r:id="rId26"/>
   </p:handoutMasterIdLst>
   <p:sldIdLst>
     <p:sldId id="298" r:id="rId2"/>
     <p:sldId id="384" r:id="rId3"/>
     <p:sldId id="388" r:id="rId4"/>
-    <p:sldId id="385" r:id="rId5"/>
-    <p:sldId id="386" r:id="rId6"/>
-    <p:sldId id="387" r:id="rId7"/>
-    <p:sldId id="414" r:id="rId8"/>
-    <p:sldId id="389" r:id="rId9"/>
-    <p:sldId id="390" r:id="rId10"/>
-    <p:sldId id="412" r:id="rId11"/>
-    <p:sldId id="413" r:id="rId12"/>
-    <p:sldId id="393" r:id="rId13"/>
-    <p:sldId id="408" r:id="rId14"/>
-    <p:sldId id="407" r:id="rId15"/>
-    <p:sldId id="409" r:id="rId16"/>
-    <p:sldId id="410" r:id="rId17"/>
-    <p:sldId id="411" r:id="rId18"/>
-    <p:sldId id="394" r:id="rId19"/>
-    <p:sldId id="404" r:id="rId20"/>
-    <p:sldId id="405" r:id="rId21"/>
-    <p:sldId id="406" r:id="rId22"/>
-    <p:sldId id="391" r:id="rId23"/>
+    <p:sldId id="415" r:id="rId5"/>
+    <p:sldId id="385" r:id="rId6"/>
+    <p:sldId id="386" r:id="rId7"/>
+    <p:sldId id="387" r:id="rId8"/>
+    <p:sldId id="414" r:id="rId9"/>
+    <p:sldId id="389" r:id="rId10"/>
+    <p:sldId id="390" r:id="rId11"/>
+    <p:sldId id="412" r:id="rId12"/>
+    <p:sldId id="413" r:id="rId13"/>
+    <p:sldId id="393" r:id="rId14"/>
+    <p:sldId id="408" r:id="rId15"/>
+    <p:sldId id="407" r:id="rId16"/>
+    <p:sldId id="409" r:id="rId17"/>
+    <p:sldId id="410" r:id="rId18"/>
+    <p:sldId id="411" r:id="rId19"/>
+    <p:sldId id="394" r:id="rId20"/>
+    <p:sldId id="404" r:id="rId21"/>
+    <p:sldId id="405" r:id="rId22"/>
+    <p:sldId id="406" r:id="rId23"/>
+    <p:sldId id="391" r:id="rId24"/>
   </p:sldIdLst>
   <p:sldSz cx="9144000" cy="6858000" type="screen4x3"/>
   <p:notesSz cx="6858000" cy="9144000"/>
   <p:custDataLst>
-    <p:tags r:id="rId26"/>
+    <p:tags r:id="rId27"/>
   </p:custDataLst>
   <p:defaultTextStyle>
     <a:defPPr>
@@ -10487,9 +10488,24 @@
               <a:buChar char="•"/>
             </a:pPr>
             <a:r>
-              <a:rPr lang="en-US" dirty="0" smtClean="0"/>
-              <a:t>Caveats</a:t>
-            </a:r>
+              <a:rPr lang="en-US" dirty="0" smtClean="0">
+                <a:solidFill>
+                  <a:srgbClr val="FF0000"/>
+                </a:solidFill>
+              </a:rPr>
+              <a:t>Jest</a:t>
+            </a:r>
+            <a:r>
+              <a:rPr lang="en-US" dirty="0" smtClean="0"/>
+              <a:t> has some custom matchers for validating the calls</a:t>
+            </a:r>
+          </a:p>
+          <a:p>
+            <a:pPr marL="342900" indent="-342900">
+              <a:buFont typeface="Arial" charset="0"/>
+              <a:buChar char="•"/>
+            </a:pPr>
+            <a:endParaRPr lang="en-US" dirty="0"/>
           </a:p>
           <a:p>
             <a:pPr marL="631825" lvl="1" indent="-342900">
@@ -10497,166 +10513,209 @@
               <a:buChar char="•"/>
             </a:pPr>
             <a:r>
-              <a:rPr lang="en-US" dirty="0" smtClean="0"/>
-              <a:t>When you use </a:t>
-            </a:r>
-            <a:r>
-              <a:rPr lang="en-US" dirty="0" smtClean="0">
-                <a:solidFill>
-                  <a:srgbClr val="FF0000"/>
+              <a:rPr lang="en-US" i="1" dirty="0">
+                <a:solidFill>
+                  <a:srgbClr val="808080"/>
                 </a:solidFill>
               </a:rPr>
-              <a:t>simulate(’event’, </a:t>
-            </a:r>
-            <a:r>
-              <a:rPr lang="en-US" dirty="0" err="1" smtClean="0">
-                <a:solidFill>
-                  <a:srgbClr val="FF0000"/>
+              <a:t>// The mock function was called at least once</a:t>
+            </a:r>
+            <a:br>
+              <a:rPr lang="en-US" i="1" dirty="0">
+                <a:solidFill>
+                  <a:srgbClr val="808080"/>
                 </a:solidFill>
               </a:rPr>
-              <a:t>EventObject</a:t>
-            </a:r>
-            <a:r>
-              <a:rPr lang="en-US" dirty="0" smtClean="0">
-                <a:solidFill>
-                  <a:srgbClr val="FF0000"/>
+            </a:br>
+            <a:r>
+              <a:rPr lang="en-US" b="1" i="1" dirty="0">
+                <a:solidFill>
+                  <a:srgbClr val="660E7A"/>
                 </a:solidFill>
               </a:rPr>
-              <a:t>)</a:t>
-            </a:r>
-            <a:r>
-              <a:rPr lang="en-US" dirty="0" smtClean="0"/>
-              <a:t>, </a:t>
-            </a:r>
-          </a:p>
-          <a:p>
-            <a:pPr marL="917575" lvl="2" indent="-342900">
-              <a:buFont typeface="Arial" charset="0"/>
-              <a:buChar char="•"/>
-            </a:pPr>
-            <a:r>
-              <a:rPr lang="en-US" dirty="0" smtClean="0"/>
-              <a:t>It calls </a:t>
-            </a:r>
-            <a:r>
-              <a:rPr lang="en-US" dirty="0" err="1" smtClean="0">
-                <a:solidFill>
-                  <a:srgbClr val="FF0000"/>
+              <a:t>expect</a:t>
+            </a:r>
+            <a:r>
+              <a:rPr lang="en-US" dirty="0"/>
+              <a:t>(</a:t>
+            </a:r>
+            <a:r>
+              <a:rPr lang="en-US" dirty="0" err="1"/>
+              <a:t>mockFunc</a:t>
+            </a:r>
+            <a:r>
+              <a:rPr lang="en-US" dirty="0"/>
+              <a:t>).</a:t>
+            </a:r>
+            <a:r>
+              <a:rPr lang="en-US" b="1" dirty="0" err="1">
+                <a:solidFill>
+                  <a:srgbClr val="660E7A"/>
                 </a:solidFill>
               </a:rPr>
-              <a:t>onEvent</a:t>
-            </a:r>
-            <a:r>
-              <a:rPr lang="en-US" dirty="0" smtClean="0">
-                <a:solidFill>
-                  <a:srgbClr val="FF0000"/>
+              <a:t>toBeCalled</a:t>
+            </a:r>
+            <a:r>
+              <a:rPr lang="en-US" dirty="0"/>
+              <a:t>();</a:t>
+            </a:r>
+            <a:br>
+              <a:rPr lang="en-US" dirty="0"/>
+            </a:br>
+            <a:r>
+              <a:rPr lang="en-US" dirty="0"/>
+              <a:t/>
+            </a:r>
+            <a:br>
+              <a:rPr lang="en-US" dirty="0"/>
+            </a:br>
+            <a:r>
+              <a:rPr lang="en-US" i="1" dirty="0">
+                <a:solidFill>
+                  <a:srgbClr val="808080"/>
                 </a:solidFill>
               </a:rPr>
-              <a:t>( </a:t>
-            </a:r>
-            <a:r>
-              <a:rPr lang="en-US" dirty="0" err="1" smtClean="0">
-                <a:solidFill>
-                  <a:srgbClr val="FF0000"/>
+              <a:t>// The mock function was called at least once with the specified </a:t>
+            </a:r>
+            <a:r>
+              <a:rPr lang="en-US" i="1" dirty="0" err="1">
+                <a:solidFill>
+                  <a:srgbClr val="808080"/>
                 </a:solidFill>
               </a:rPr>
-              <a:t>EventObject</a:t>
-            </a:r>
-            <a:r>
-              <a:rPr lang="en-US" dirty="0" smtClean="0">
-                <a:solidFill>
-                  <a:srgbClr val="FF0000"/>
+              <a:t>args</a:t>
+            </a:r>
+            <a:r>
+              <a:rPr lang="en-US" i="1" dirty="0">
+                <a:solidFill>
+                  <a:srgbClr val="808080"/>
                 </a:solidFill>
               </a:rPr>
-              <a:t> )</a:t>
-            </a:r>
-          </a:p>
-          <a:p>
-            <a:pPr marL="917575" lvl="2" indent="-342900">
-              <a:buFont typeface="Arial" charset="0"/>
-              <a:buChar char="•"/>
-            </a:pPr>
-            <a:r>
-              <a:rPr lang="en-US" dirty="0" smtClean="0">
-                <a:solidFill>
-                  <a:srgbClr val="FF0000"/>
+              <a:t/>
+            </a:r>
+            <a:br>
+              <a:rPr lang="en-US" i="1" dirty="0">
+                <a:solidFill>
+                  <a:srgbClr val="808080"/>
                 </a:solidFill>
               </a:rPr>
-              <a:t>You</a:t>
-            </a:r>
-            <a:r>
-              <a:rPr lang="en-US" dirty="0" smtClean="0"/>
-              <a:t> must provide the </a:t>
-            </a:r>
-            <a:r>
-              <a:rPr lang="en-US" dirty="0" err="1" smtClean="0"/>
-              <a:t>EventObject</a:t>
-            </a:r>
-            <a:r>
-              <a:rPr lang="en-US" dirty="0" smtClean="0"/>
-              <a:t> if used in the handler</a:t>
-            </a:r>
-          </a:p>
-          <a:p>
-            <a:pPr marL="631825" lvl="1" indent="-342900">
-              <a:buFont typeface="Arial" charset="0"/>
-              <a:buChar char="•"/>
-            </a:pPr>
-            <a:r>
-              <a:rPr lang="en-US" dirty="0" smtClean="0"/>
-              <a:t>After simulate() is called, get another copy of the &lt;input&gt;, etc..</a:t>
-            </a:r>
-          </a:p>
-          <a:p>
-            <a:pPr marL="917575" lvl="2" indent="-342900">
-              <a:buFont typeface="Arial" charset="0"/>
-              <a:buChar char="•"/>
-            </a:pPr>
-            <a:r>
-              <a:rPr lang="en-US" dirty="0" smtClean="0"/>
-              <a:t>Use </a:t>
-            </a:r>
-            <a:r>
-              <a:rPr lang="en-US" dirty="0" err="1" smtClean="0">
-                <a:solidFill>
-                  <a:srgbClr val="FF0000"/>
+            </a:br>
+            <a:r>
+              <a:rPr lang="en-US" b="1" i="1" dirty="0">
+                <a:solidFill>
+                  <a:srgbClr val="660E7A"/>
                 </a:solidFill>
               </a:rPr>
-              <a:t>wrapper.find</a:t>
-            </a:r>
-            <a:r>
-              <a:rPr lang="en-US" dirty="0" smtClean="0">
-                <a:solidFill>
-                  <a:srgbClr val="FF0000"/>
+              <a:t>expect</a:t>
+            </a:r>
+            <a:r>
+              <a:rPr lang="en-US" dirty="0"/>
+              <a:t>(</a:t>
+            </a:r>
+            <a:r>
+              <a:rPr lang="en-US" dirty="0" err="1"/>
+              <a:t>mockFunc</a:t>
+            </a:r>
+            <a:r>
+              <a:rPr lang="en-US" dirty="0"/>
+              <a:t>).</a:t>
+            </a:r>
+            <a:r>
+              <a:rPr lang="en-US" b="1" dirty="0" err="1">
+                <a:solidFill>
+                  <a:srgbClr val="660E7A"/>
                 </a:solidFill>
               </a:rPr>
-              <a:t>(‘input’) </a:t>
-            </a:r>
-            <a:r>
-              <a:rPr lang="en-US" dirty="0" smtClean="0"/>
-              <a:t>again</a:t>
-            </a:r>
-            <a:r>
-              <a:rPr lang="mr-IN" dirty="0" smtClean="0"/>
-              <a:t>…</a:t>
-            </a:r>
-            <a:r>
-              <a:rPr lang="en-US" dirty="0" smtClean="0"/>
-              <a:t> get new </a:t>
-            </a:r>
-            <a:r>
-              <a:rPr lang="en-US" dirty="0" smtClean="0">
-                <a:solidFill>
-                  <a:srgbClr val="FF0000"/>
+              <a:t>toBeCalledWith</a:t>
+            </a:r>
+            <a:r>
+              <a:rPr lang="en-US" dirty="0"/>
+              <a:t>(arg1, arg2);</a:t>
+            </a:r>
+            <a:br>
+              <a:rPr lang="en-US" dirty="0"/>
+            </a:br>
+            <a:r>
+              <a:rPr lang="en-US" dirty="0"/>
+              <a:t/>
+            </a:r>
+            <a:br>
+              <a:rPr lang="en-US" dirty="0"/>
+            </a:br>
+            <a:r>
+              <a:rPr lang="en-US" i="1" dirty="0">
+                <a:solidFill>
+                  <a:srgbClr val="808080"/>
                 </a:solidFill>
               </a:rPr>
-              <a:t>COPY</a:t>
-            </a:r>
-            <a:r>
-              <a:rPr lang="en-US" dirty="0" smtClean="0"/>
-              <a:t> of the object</a:t>
-            </a:r>
-            <a:endParaRPr lang="en-US" dirty="0"/>
+              <a:t>// The last call to the mock function was called with the specified </a:t>
+            </a:r>
+            <a:r>
+              <a:rPr lang="en-US" i="1" dirty="0" err="1">
+                <a:solidFill>
+                  <a:srgbClr val="808080"/>
+                </a:solidFill>
+              </a:rPr>
+              <a:t>args</a:t>
+            </a:r>
+            <a:r>
+              <a:rPr lang="en-US" i="1" dirty="0">
+                <a:solidFill>
+                  <a:srgbClr val="808080"/>
+                </a:solidFill>
+              </a:rPr>
+              <a:t/>
+            </a:r>
+            <a:br>
+              <a:rPr lang="en-US" i="1" dirty="0">
+                <a:solidFill>
+                  <a:srgbClr val="808080"/>
+                </a:solidFill>
+              </a:rPr>
+            </a:br>
+            <a:r>
+              <a:rPr lang="en-US" b="1" i="1" dirty="0">
+                <a:solidFill>
+                  <a:srgbClr val="660E7A"/>
+                </a:solidFill>
+              </a:rPr>
+              <a:t>expect</a:t>
+            </a:r>
+            <a:r>
+              <a:rPr lang="en-US" dirty="0"/>
+              <a:t>(</a:t>
+            </a:r>
+            <a:r>
+              <a:rPr lang="en-US" dirty="0" err="1"/>
+              <a:t>mockFunc</a:t>
+            </a:r>
+            <a:r>
+              <a:rPr lang="en-US" dirty="0"/>
+              <a:t>).</a:t>
+            </a:r>
+            <a:r>
+              <a:rPr lang="en-US" b="1" dirty="0" err="1">
+                <a:solidFill>
+                  <a:srgbClr val="660E7A"/>
+                </a:solidFill>
+              </a:rPr>
+              <a:t>lastCalledWith</a:t>
+            </a:r>
+            <a:r>
+              <a:rPr lang="en-US" dirty="0"/>
+              <a:t>(arg1, arg2);</a:t>
+            </a:r>
+            <a:br>
+              <a:rPr lang="en-US" dirty="0"/>
+            </a:br>
+            <a:r>
+              <a:rPr lang="en-US" dirty="0"/>
+              <a:t/>
+            </a:r>
+            <a:br>
+              <a:rPr lang="en-US" dirty="0"/>
+            </a:br>
+            <a:endParaRPr lang="en-US" dirty="0" smtClean="0"/>
           </a:p>
         </p:txBody>
       </p:sp>
@@ -10677,7 +10736,7 @@
           <a:p>
             <a:r>
               <a:rPr lang="en-US" dirty="0" smtClean="0"/>
-              <a:t>Enzyme Testing</a:t>
+              <a:t>Custom Matchers</a:t>
             </a:r>
             <a:endParaRPr lang="en-US" dirty="0"/>
           </a:p>
@@ -10686,7 +10745,7 @@
     </p:spTree>
     <p:extLst>
       <p:ext uri="{BB962C8B-B14F-4D97-AF65-F5344CB8AC3E}">
-        <p14:creationId xmlns:p14="http://schemas.microsoft.com/office/powerpoint/2010/main" val="52821596"/>
+        <p14:creationId xmlns:p14="http://schemas.microsoft.com/office/powerpoint/2010/main" val="428205809"/>
       </p:ext>
     </p:extLst>
   </p:cSld>
@@ -10742,6 +10801,260 @@
             </a:pPr>
             <a:r>
               <a:rPr lang="en-US" dirty="0" smtClean="0"/>
+              <a:t>Caveats</a:t>
+            </a:r>
+          </a:p>
+          <a:p>
+            <a:pPr marL="631825" lvl="1" indent="-342900">
+              <a:buFont typeface="Arial" charset="0"/>
+              <a:buChar char="•"/>
+            </a:pPr>
+            <a:r>
+              <a:rPr lang="en-US" dirty="0" smtClean="0"/>
+              <a:t>When you use </a:t>
+            </a:r>
+            <a:r>
+              <a:rPr lang="en-US" dirty="0" smtClean="0">
+                <a:solidFill>
+                  <a:srgbClr val="FF0000"/>
+                </a:solidFill>
+              </a:rPr>
+              <a:t>simulate(’event’, </a:t>
+            </a:r>
+            <a:r>
+              <a:rPr lang="en-US" dirty="0" err="1" smtClean="0">
+                <a:solidFill>
+                  <a:srgbClr val="FF0000"/>
+                </a:solidFill>
+              </a:rPr>
+              <a:t>EventObject</a:t>
+            </a:r>
+            <a:r>
+              <a:rPr lang="en-US" dirty="0" smtClean="0">
+                <a:solidFill>
+                  <a:srgbClr val="FF0000"/>
+                </a:solidFill>
+              </a:rPr>
+              <a:t>)</a:t>
+            </a:r>
+            <a:r>
+              <a:rPr lang="en-US" dirty="0" smtClean="0"/>
+              <a:t>, </a:t>
+            </a:r>
+          </a:p>
+          <a:p>
+            <a:pPr marL="917575" lvl="2" indent="-342900">
+              <a:buFont typeface="Arial" charset="0"/>
+              <a:buChar char="•"/>
+            </a:pPr>
+            <a:r>
+              <a:rPr lang="en-US" dirty="0" smtClean="0"/>
+              <a:t>It calls </a:t>
+            </a:r>
+            <a:r>
+              <a:rPr lang="en-US" dirty="0" err="1" smtClean="0">
+                <a:solidFill>
+                  <a:srgbClr val="FF0000"/>
+                </a:solidFill>
+              </a:rPr>
+              <a:t>onEvent</a:t>
+            </a:r>
+            <a:r>
+              <a:rPr lang="en-US" dirty="0" smtClean="0">
+                <a:solidFill>
+                  <a:srgbClr val="FF0000"/>
+                </a:solidFill>
+              </a:rPr>
+              <a:t>( </a:t>
+            </a:r>
+            <a:r>
+              <a:rPr lang="en-US" dirty="0" err="1" smtClean="0">
+                <a:solidFill>
+                  <a:srgbClr val="FF0000"/>
+                </a:solidFill>
+              </a:rPr>
+              <a:t>EventObject</a:t>
+            </a:r>
+            <a:r>
+              <a:rPr lang="en-US" dirty="0" smtClean="0">
+                <a:solidFill>
+                  <a:srgbClr val="FF0000"/>
+                </a:solidFill>
+              </a:rPr>
+              <a:t> )</a:t>
+            </a:r>
+          </a:p>
+          <a:p>
+            <a:pPr marL="917575" lvl="2" indent="-342900">
+              <a:buFont typeface="Arial" charset="0"/>
+              <a:buChar char="•"/>
+            </a:pPr>
+            <a:r>
+              <a:rPr lang="en-US" dirty="0" smtClean="0">
+                <a:solidFill>
+                  <a:srgbClr val="FF0000"/>
+                </a:solidFill>
+              </a:rPr>
+              <a:t>You</a:t>
+            </a:r>
+            <a:r>
+              <a:rPr lang="en-US" dirty="0" smtClean="0"/>
+              <a:t> must provide the </a:t>
+            </a:r>
+            <a:r>
+              <a:rPr lang="en-US" dirty="0" err="1" smtClean="0"/>
+              <a:t>EventObject</a:t>
+            </a:r>
+            <a:r>
+              <a:rPr lang="en-US" dirty="0" smtClean="0"/>
+              <a:t> if used in the handler</a:t>
+            </a:r>
+          </a:p>
+          <a:p>
+            <a:pPr marL="631825" lvl="1" indent="-342900">
+              <a:buFont typeface="Arial" charset="0"/>
+              <a:buChar char="•"/>
+            </a:pPr>
+            <a:r>
+              <a:rPr lang="en-US" dirty="0" smtClean="0"/>
+              <a:t>After simulate() is called, get another copy of the &lt;input&gt;, etc..</a:t>
+            </a:r>
+          </a:p>
+          <a:p>
+            <a:pPr marL="917575" lvl="2" indent="-342900">
+              <a:buFont typeface="Arial" charset="0"/>
+              <a:buChar char="•"/>
+            </a:pPr>
+            <a:r>
+              <a:rPr lang="en-US" dirty="0" smtClean="0"/>
+              <a:t>Use </a:t>
+            </a:r>
+            <a:r>
+              <a:rPr lang="en-US" dirty="0" err="1" smtClean="0">
+                <a:solidFill>
+                  <a:srgbClr val="FF0000"/>
+                </a:solidFill>
+              </a:rPr>
+              <a:t>wrapper.find</a:t>
+            </a:r>
+            <a:r>
+              <a:rPr lang="en-US" dirty="0" smtClean="0">
+                <a:solidFill>
+                  <a:srgbClr val="FF0000"/>
+                </a:solidFill>
+              </a:rPr>
+              <a:t>(‘input’) </a:t>
+            </a:r>
+            <a:r>
+              <a:rPr lang="en-US" dirty="0" smtClean="0"/>
+              <a:t>again</a:t>
+            </a:r>
+            <a:r>
+              <a:rPr lang="mr-IN" dirty="0" smtClean="0"/>
+              <a:t>…</a:t>
+            </a:r>
+            <a:r>
+              <a:rPr lang="en-US" dirty="0" smtClean="0"/>
+              <a:t> get new </a:t>
+            </a:r>
+            <a:r>
+              <a:rPr lang="en-US" dirty="0" smtClean="0">
+                <a:solidFill>
+                  <a:srgbClr val="FF0000"/>
+                </a:solidFill>
+              </a:rPr>
+              <a:t>COPY</a:t>
+            </a:r>
+            <a:r>
+              <a:rPr lang="en-US" dirty="0" smtClean="0"/>
+              <a:t> of the object</a:t>
+            </a:r>
+            <a:endParaRPr lang="en-US" dirty="0"/>
+          </a:p>
+        </p:txBody>
+      </p:sp>
+      <p:sp>
+        <p:nvSpPr>
+          <p:cNvPr id="3" name="Title 2"/>
+          <p:cNvSpPr>
+            <a:spLocks noGrp="1"/>
+          </p:cNvSpPr>
+          <p:nvPr>
+            <p:ph type="title"/>
+          </p:nvPr>
+        </p:nvSpPr>
+        <p:spPr/>
+        <p:txBody>
+          <a:bodyPr/>
+          <a:lstStyle/>
+          <a:p>
+            <a:r>
+              <a:rPr lang="en-US" dirty="0" smtClean="0"/>
+              <a:t>Enzyme Testing</a:t>
+            </a:r>
+            <a:endParaRPr lang="en-US" dirty="0"/>
+          </a:p>
+        </p:txBody>
+      </p:sp>
+    </p:spTree>
+    <p:extLst>
+      <p:ext uri="{BB962C8B-B14F-4D97-AF65-F5344CB8AC3E}">
+        <p14:creationId xmlns:p14="http://schemas.microsoft.com/office/powerpoint/2010/main" val="52821596"/>
+      </p:ext>
+    </p:extLst>
+  </p:cSld>
+  <p:clrMapOvr>
+    <a:masterClrMapping/>
+  </p:clrMapOvr>
+  <mc:AlternateContent xmlns:mc="http://schemas.openxmlformats.org/markup-compatibility/2006" xmlns:p14="http://schemas.microsoft.com/office/powerpoint/2010/main">
+    <mc:Choice Requires="p14">
+      <p:transition p14:dur="0"/>
+    </mc:Choice>
+    <mc:Fallback xmlns="">
+      <p:transition/>
+    </mc:Fallback>
+  </mc:AlternateContent>
+</p:sld>
+</file>
+
+<file path=ppt/slides/slide12.xml><?xml version="1.0" encoding="utf-8"?>
+<p:sld xmlns:a="http://schemas.openxmlformats.org/drawingml/2006/main" xmlns:r="http://schemas.openxmlformats.org/officeDocument/2006/relationships" xmlns:p="http://schemas.openxmlformats.org/presentationml/2006/main">
+  <p:cSld>
+    <p:spTree>
+      <p:nvGrpSpPr>
+        <p:cNvPr id="1" name=""/>
+        <p:cNvGrpSpPr/>
+        <p:nvPr/>
+      </p:nvGrpSpPr>
+      <p:grpSpPr>
+        <a:xfrm>
+          <a:off x="0" y="0"/>
+          <a:ext cx="0" cy="0"/>
+          <a:chOff x="0" y="0"/>
+          <a:chExt cx="0" cy="0"/>
+        </a:xfrm>
+      </p:grpSpPr>
+      <p:sp>
+        <p:nvSpPr>
+          <p:cNvPr id="2" name="Text Placeholder 1"/>
+          <p:cNvSpPr>
+            <a:spLocks noGrp="1"/>
+          </p:cNvSpPr>
+          <p:nvPr>
+            <p:ph type="body" sz="quarter" idx="12"/>
+          </p:nvPr>
+        </p:nvSpPr>
+        <p:spPr/>
+        <p:txBody>
+          <a:bodyPr/>
+          <a:lstStyle/>
+          <a:p>
+            <a:pPr marL="342900" indent="-342900">
+              <a:buFont typeface="Arial" charset="0"/>
+              <a:buChar char="•"/>
+            </a:pPr>
+            <a:r>
+              <a:rPr lang="en-US" dirty="0" smtClean="0"/>
               <a:t>Enzyme Testing Steps</a:t>
             </a:r>
           </a:p>
@@ -10913,7 +11226,7 @@
 </p:sld>
 </file>
 
-<file path=ppt/slides/slide12.xml><?xml version="1.0" encoding="utf-8"?>
+<file path=ppt/slides/slide13.xml><?xml version="1.0" encoding="utf-8"?>
 <p:sld xmlns:a="http://schemas.openxmlformats.org/drawingml/2006/main" xmlns:r="http://schemas.openxmlformats.org/officeDocument/2006/relationships" xmlns:p="http://schemas.openxmlformats.org/presentationml/2006/main">
   <p:cSld>
     <p:spTree>
@@ -11052,7 +11365,7 @@
 </p:sld>
 </file>
 
-<file path=ppt/slides/slide13.xml><?xml version="1.0" encoding="utf-8"?>
+<file path=ppt/slides/slide14.xml><?xml version="1.0" encoding="utf-8"?>
 <p:sld xmlns:a="http://schemas.openxmlformats.org/drawingml/2006/main" xmlns:r="http://schemas.openxmlformats.org/officeDocument/2006/relationships" xmlns:p="http://schemas.openxmlformats.org/presentationml/2006/main">
   <p:cSld>
     <p:spTree>
@@ -11213,7 +11526,7 @@
 </p:sld>
 </file>
 
-<file path=ppt/slides/slide14.xml><?xml version="1.0" encoding="utf-8"?>
+<file path=ppt/slides/slide15.xml><?xml version="1.0" encoding="utf-8"?>
 <p:sld xmlns:a="http://schemas.openxmlformats.org/drawingml/2006/main" xmlns:r="http://schemas.openxmlformats.org/officeDocument/2006/relationships" xmlns:p="http://schemas.openxmlformats.org/presentationml/2006/main">
   <p:cSld>
     <p:spTree>
@@ -11612,7 +11925,7 @@
 </p:sld>
 </file>
 
-<file path=ppt/slides/slide15.xml><?xml version="1.0" encoding="utf-8"?>
+<file path=ppt/slides/slide16.xml><?xml version="1.0" encoding="utf-8"?>
 <p:sld xmlns:a="http://schemas.openxmlformats.org/drawingml/2006/main" xmlns:r="http://schemas.openxmlformats.org/officeDocument/2006/relationships" xmlns:p="http://schemas.openxmlformats.org/presentationml/2006/main">
   <p:cSld>
     <p:spTree>
@@ -11888,7 +12201,7 @@
 </p:sld>
 </file>
 
-<file path=ppt/slides/slide16.xml><?xml version="1.0" encoding="utf-8"?>
+<file path=ppt/slides/slide17.xml><?xml version="1.0" encoding="utf-8"?>
 <p:sld xmlns:a="http://schemas.openxmlformats.org/drawingml/2006/main" xmlns:r="http://schemas.openxmlformats.org/officeDocument/2006/relationships" xmlns:p="http://schemas.openxmlformats.org/presentationml/2006/main">
   <p:cSld>
     <p:spTree>
@@ -12177,7 +12490,7 @@
 </p:sld>
 </file>
 
-<file path=ppt/slides/slide17.xml><?xml version="1.0" encoding="utf-8"?>
+<file path=ppt/slides/slide18.xml><?xml version="1.0" encoding="utf-8"?>
 <p:sld xmlns:a="http://schemas.openxmlformats.org/drawingml/2006/main" xmlns:r="http://schemas.openxmlformats.org/officeDocument/2006/relationships" xmlns:p="http://schemas.openxmlformats.org/presentationml/2006/main">
   <p:cSld>
     <p:spTree>
@@ -12479,7 +12792,7 @@
 </p:sld>
 </file>
 
-<file path=ppt/slides/slide18.xml><?xml version="1.0" encoding="utf-8"?>
+<file path=ppt/slides/slide19.xml><?xml version="1.0" encoding="utf-8"?>
 <p:sld xmlns:a="http://schemas.openxmlformats.org/drawingml/2006/main" xmlns:r="http://schemas.openxmlformats.org/officeDocument/2006/relationships" xmlns:p="http://schemas.openxmlformats.org/presentationml/2006/main">
   <p:cSld>
     <p:spTree>
@@ -12733,7 +13046,223 @@
 </p:sld>
 </file>
 
-<file path=ppt/slides/slide19.xml><?xml version="1.0" encoding="utf-8"?>
+<file path=ppt/slides/slide2.xml><?xml version="1.0" encoding="utf-8"?>
+<p:sld xmlns:a="http://schemas.openxmlformats.org/drawingml/2006/main" xmlns:r="http://schemas.openxmlformats.org/officeDocument/2006/relationships" xmlns:p="http://schemas.openxmlformats.org/presentationml/2006/main">
+  <p:cSld>
+    <p:spTree>
+      <p:nvGrpSpPr>
+        <p:cNvPr id="1" name=""/>
+        <p:cNvGrpSpPr/>
+        <p:nvPr/>
+      </p:nvGrpSpPr>
+      <p:grpSpPr>
+        <a:xfrm>
+          <a:off x="0" y="0"/>
+          <a:ext cx="0" cy="0"/>
+          <a:chOff x="0" y="0"/>
+          <a:chExt cx="0" cy="0"/>
+        </a:xfrm>
+      </p:grpSpPr>
+      <p:sp>
+        <p:nvSpPr>
+          <p:cNvPr id="2" name="Text Placeholder 1"/>
+          <p:cNvSpPr>
+            <a:spLocks noGrp="1"/>
+          </p:cNvSpPr>
+          <p:nvPr>
+            <p:ph type="body" sz="quarter" idx="12"/>
+          </p:nvPr>
+        </p:nvSpPr>
+        <p:spPr/>
+        <p:txBody>
+          <a:bodyPr/>
+          <a:lstStyle/>
+          <a:p>
+            <a:pPr marL="342900" indent="-342900">
+              <a:buFont typeface="Arial" charset="0"/>
+              <a:buChar char="•"/>
+            </a:pPr>
+            <a:r>
+              <a:rPr lang="en-US" dirty="0" smtClean="0"/>
+              <a:t>One of the problems with testing</a:t>
+            </a:r>
+          </a:p>
+          <a:p>
+            <a:pPr marL="342900" indent="-342900">
+              <a:buFont typeface="Arial" charset="0"/>
+              <a:buChar char="•"/>
+            </a:pPr>
+            <a:r>
+              <a:rPr lang="en-US" dirty="0" smtClean="0"/>
+              <a:t>The Unit Under Test (</a:t>
+            </a:r>
+            <a:r>
+              <a:rPr lang="en-US" dirty="0" smtClean="0">
+                <a:solidFill>
+                  <a:srgbClr val="FF0000"/>
+                </a:solidFill>
+              </a:rPr>
+              <a:t>UUT</a:t>
+            </a:r>
+            <a:r>
+              <a:rPr lang="en-US" dirty="0" smtClean="0"/>
+              <a:t>) might (will) have dependencies</a:t>
+            </a:r>
+          </a:p>
+          <a:p>
+            <a:pPr marL="631825" lvl="1" indent="-342900">
+              <a:buFont typeface="Arial" charset="0"/>
+              <a:buChar char="•"/>
+            </a:pPr>
+            <a:r>
+              <a:rPr lang="en-US" dirty="0" smtClean="0"/>
+              <a:t>For example: a database, or a network site</a:t>
+            </a:r>
+          </a:p>
+          <a:p>
+            <a:pPr marL="342900" indent="-342900">
+              <a:buFont typeface="Arial" charset="0"/>
+              <a:buChar char="•"/>
+            </a:pPr>
+            <a:r>
+              <a:rPr lang="en-US" dirty="0" smtClean="0"/>
+              <a:t>It is difficult (or impossible) to:</a:t>
+            </a:r>
+          </a:p>
+          <a:p>
+            <a:pPr marL="631825" lvl="1" indent="-342900">
+              <a:buFont typeface="Arial" charset="0"/>
+              <a:buChar char="•"/>
+            </a:pPr>
+            <a:r>
+              <a:rPr lang="en-US" dirty="0" smtClean="0"/>
+              <a:t>Have a known state each time the test runs</a:t>
+            </a:r>
+          </a:p>
+          <a:p>
+            <a:pPr marL="631825" lvl="1" indent="-342900">
+              <a:buFont typeface="Arial" charset="0"/>
+              <a:buChar char="•"/>
+            </a:pPr>
+            <a:r>
+              <a:rPr lang="en-US" dirty="0" smtClean="0"/>
+              <a:t>Have custom data returned by the calls</a:t>
+            </a:r>
+          </a:p>
+          <a:p>
+            <a:pPr marL="342900" indent="-342900">
+              <a:buFont typeface="Arial" charset="0"/>
+              <a:buChar char="•"/>
+            </a:pPr>
+            <a:r>
+              <a:rPr lang="en-US" dirty="0" smtClean="0"/>
+              <a:t>Enter a Mock Server (or function)</a:t>
+            </a:r>
+          </a:p>
+          <a:p>
+            <a:pPr marL="342900" indent="-342900">
+              <a:buFont typeface="Arial" charset="0"/>
+              <a:buChar char="•"/>
+            </a:pPr>
+            <a:r>
+              <a:rPr lang="en-US" dirty="0" smtClean="0"/>
+              <a:t>It emulates the module called by the </a:t>
+            </a:r>
+            <a:r>
+              <a:rPr lang="en-US" dirty="0" smtClean="0">
+                <a:solidFill>
+                  <a:srgbClr val="FF0000"/>
+                </a:solidFill>
+              </a:rPr>
+              <a:t>UUT</a:t>
+            </a:r>
+          </a:p>
+          <a:p>
+            <a:pPr marL="342900" indent="-342900">
+              <a:buFont typeface="Arial" charset="0"/>
+              <a:buChar char="•"/>
+            </a:pPr>
+            <a:r>
+              <a:rPr lang="en-US" dirty="0"/>
+              <a:t> </a:t>
+            </a:r>
+            <a:r>
+              <a:rPr lang="en-US" dirty="0" smtClean="0">
+                <a:solidFill>
+                  <a:srgbClr val="FF0000"/>
+                </a:solidFill>
+              </a:rPr>
+              <a:t>jest</a:t>
+            </a:r>
+            <a:r>
+              <a:rPr lang="en-US" dirty="0" smtClean="0"/>
+              <a:t> has built in support for Mock Function</a:t>
+            </a:r>
+          </a:p>
+          <a:p>
+            <a:pPr marL="631825" lvl="1" indent="-342900">
+              <a:buFont typeface="Arial" charset="0"/>
+              <a:buChar char="•"/>
+            </a:pPr>
+            <a:r>
+              <a:rPr lang="en-US" dirty="0" smtClean="0"/>
+              <a:t>Auto-mock </a:t>
+            </a:r>
+            <a:r>
+              <a:rPr lang="en-US" dirty="0" smtClean="0">
+                <a:sym typeface="Wingdings"/>
+              </a:rPr>
+              <a:t> ALL modules are mocked</a:t>
+            </a:r>
+            <a:endParaRPr lang="en-US" dirty="0" smtClean="0"/>
+          </a:p>
+        </p:txBody>
+      </p:sp>
+      <p:sp>
+        <p:nvSpPr>
+          <p:cNvPr id="3" name="Title 2"/>
+          <p:cNvSpPr>
+            <a:spLocks noGrp="1"/>
+          </p:cNvSpPr>
+          <p:nvPr>
+            <p:ph type="title"/>
+          </p:nvPr>
+        </p:nvSpPr>
+        <p:spPr/>
+        <p:txBody>
+          <a:bodyPr/>
+          <a:lstStyle/>
+          <a:p>
+            <a:r>
+              <a:rPr lang="en-US" dirty="0" smtClean="0"/>
+              <a:t>Mock Functions</a:t>
+            </a:r>
+            <a:endParaRPr lang="en-US" dirty="0"/>
+          </a:p>
+        </p:txBody>
+      </p:sp>
+    </p:spTree>
+    <p:extLst>
+      <p:ext uri="{BB962C8B-B14F-4D97-AF65-F5344CB8AC3E}">
+        <p14:creationId xmlns:p14="http://schemas.microsoft.com/office/powerpoint/2010/main" val="1242042018"/>
+      </p:ext>
+    </p:extLst>
+  </p:cSld>
+  <p:clrMapOvr>
+    <a:masterClrMapping/>
+  </p:clrMapOvr>
+  <mc:AlternateContent xmlns:mc="http://schemas.openxmlformats.org/markup-compatibility/2006" xmlns:p14="http://schemas.microsoft.com/office/powerpoint/2010/main">
+    <mc:Choice Requires="p14">
+      <p:transition p14:dur="0"/>
+    </mc:Choice>
+    <mc:Fallback xmlns="">
+      <p:transition/>
+    </mc:Fallback>
+  </mc:AlternateContent>
+</p:sld>
+</file>
+
+<file path=ppt/slides/slide20.xml><?xml version="1.0" encoding="utf-8"?>
 <p:sld xmlns:a="http://schemas.openxmlformats.org/drawingml/2006/main" xmlns:r="http://schemas.openxmlformats.org/officeDocument/2006/relationships" xmlns:p="http://schemas.openxmlformats.org/presentationml/2006/main">
   <p:cSld>
     <p:spTree>
@@ -12912,223 +13441,7 @@
 </p:sld>
 </file>
 
-<file path=ppt/slides/slide2.xml><?xml version="1.0" encoding="utf-8"?>
-<p:sld xmlns:a="http://schemas.openxmlformats.org/drawingml/2006/main" xmlns:r="http://schemas.openxmlformats.org/officeDocument/2006/relationships" xmlns:p="http://schemas.openxmlformats.org/presentationml/2006/main">
-  <p:cSld>
-    <p:spTree>
-      <p:nvGrpSpPr>
-        <p:cNvPr id="1" name=""/>
-        <p:cNvGrpSpPr/>
-        <p:nvPr/>
-      </p:nvGrpSpPr>
-      <p:grpSpPr>
-        <a:xfrm>
-          <a:off x="0" y="0"/>
-          <a:ext cx="0" cy="0"/>
-          <a:chOff x="0" y="0"/>
-          <a:chExt cx="0" cy="0"/>
-        </a:xfrm>
-      </p:grpSpPr>
-      <p:sp>
-        <p:nvSpPr>
-          <p:cNvPr id="2" name="Text Placeholder 1"/>
-          <p:cNvSpPr>
-            <a:spLocks noGrp="1"/>
-          </p:cNvSpPr>
-          <p:nvPr>
-            <p:ph type="body" sz="quarter" idx="12"/>
-          </p:nvPr>
-        </p:nvSpPr>
-        <p:spPr/>
-        <p:txBody>
-          <a:bodyPr/>
-          <a:lstStyle/>
-          <a:p>
-            <a:pPr marL="342900" indent="-342900">
-              <a:buFont typeface="Arial" charset="0"/>
-              <a:buChar char="•"/>
-            </a:pPr>
-            <a:r>
-              <a:rPr lang="en-US" dirty="0" smtClean="0"/>
-              <a:t>One of the problems with testing</a:t>
-            </a:r>
-          </a:p>
-          <a:p>
-            <a:pPr marL="342900" indent="-342900">
-              <a:buFont typeface="Arial" charset="0"/>
-              <a:buChar char="•"/>
-            </a:pPr>
-            <a:r>
-              <a:rPr lang="en-US" dirty="0" smtClean="0"/>
-              <a:t>The Unit Under Test (</a:t>
-            </a:r>
-            <a:r>
-              <a:rPr lang="en-US" dirty="0" smtClean="0">
-                <a:solidFill>
-                  <a:srgbClr val="FF0000"/>
-                </a:solidFill>
-              </a:rPr>
-              <a:t>UUT</a:t>
-            </a:r>
-            <a:r>
-              <a:rPr lang="en-US" dirty="0" smtClean="0"/>
-              <a:t>) might (will) have dependencies</a:t>
-            </a:r>
-          </a:p>
-          <a:p>
-            <a:pPr marL="631825" lvl="1" indent="-342900">
-              <a:buFont typeface="Arial" charset="0"/>
-              <a:buChar char="•"/>
-            </a:pPr>
-            <a:r>
-              <a:rPr lang="en-US" dirty="0" smtClean="0"/>
-              <a:t>For example: a database, or a network site</a:t>
-            </a:r>
-          </a:p>
-          <a:p>
-            <a:pPr marL="342900" indent="-342900">
-              <a:buFont typeface="Arial" charset="0"/>
-              <a:buChar char="•"/>
-            </a:pPr>
-            <a:r>
-              <a:rPr lang="en-US" dirty="0" smtClean="0"/>
-              <a:t>It is difficult (or impossible) to:</a:t>
-            </a:r>
-          </a:p>
-          <a:p>
-            <a:pPr marL="631825" lvl="1" indent="-342900">
-              <a:buFont typeface="Arial" charset="0"/>
-              <a:buChar char="•"/>
-            </a:pPr>
-            <a:r>
-              <a:rPr lang="en-US" dirty="0" smtClean="0"/>
-              <a:t>Have a known state each time the test runs</a:t>
-            </a:r>
-          </a:p>
-          <a:p>
-            <a:pPr marL="631825" lvl="1" indent="-342900">
-              <a:buFont typeface="Arial" charset="0"/>
-              <a:buChar char="•"/>
-            </a:pPr>
-            <a:r>
-              <a:rPr lang="en-US" dirty="0" smtClean="0"/>
-              <a:t>Have custom data returned by the calls</a:t>
-            </a:r>
-          </a:p>
-          <a:p>
-            <a:pPr marL="342900" indent="-342900">
-              <a:buFont typeface="Arial" charset="0"/>
-              <a:buChar char="•"/>
-            </a:pPr>
-            <a:r>
-              <a:rPr lang="en-US" dirty="0" smtClean="0"/>
-              <a:t>Enter a Mock Server (or function)</a:t>
-            </a:r>
-          </a:p>
-          <a:p>
-            <a:pPr marL="342900" indent="-342900">
-              <a:buFont typeface="Arial" charset="0"/>
-              <a:buChar char="•"/>
-            </a:pPr>
-            <a:r>
-              <a:rPr lang="en-US" dirty="0" smtClean="0"/>
-              <a:t>It emulates the module called by the </a:t>
-            </a:r>
-            <a:r>
-              <a:rPr lang="en-US" dirty="0" smtClean="0">
-                <a:solidFill>
-                  <a:srgbClr val="FF0000"/>
-                </a:solidFill>
-              </a:rPr>
-              <a:t>UUT</a:t>
-            </a:r>
-          </a:p>
-          <a:p>
-            <a:pPr marL="342900" indent="-342900">
-              <a:buFont typeface="Arial" charset="0"/>
-              <a:buChar char="•"/>
-            </a:pPr>
-            <a:r>
-              <a:rPr lang="en-US" dirty="0"/>
-              <a:t> </a:t>
-            </a:r>
-            <a:r>
-              <a:rPr lang="en-US" dirty="0" smtClean="0">
-                <a:solidFill>
-                  <a:srgbClr val="FF0000"/>
-                </a:solidFill>
-              </a:rPr>
-              <a:t>jest</a:t>
-            </a:r>
-            <a:r>
-              <a:rPr lang="en-US" dirty="0" smtClean="0"/>
-              <a:t> has built in support for Mock Function</a:t>
-            </a:r>
-          </a:p>
-          <a:p>
-            <a:pPr marL="631825" lvl="1" indent="-342900">
-              <a:buFont typeface="Arial" charset="0"/>
-              <a:buChar char="•"/>
-            </a:pPr>
-            <a:r>
-              <a:rPr lang="en-US" dirty="0" smtClean="0"/>
-              <a:t>Auto-mock </a:t>
-            </a:r>
-            <a:r>
-              <a:rPr lang="en-US" dirty="0" smtClean="0">
-                <a:sym typeface="Wingdings"/>
-              </a:rPr>
-              <a:t> ALL modules are mocked</a:t>
-            </a:r>
-            <a:endParaRPr lang="en-US" dirty="0" smtClean="0"/>
-          </a:p>
-        </p:txBody>
-      </p:sp>
-      <p:sp>
-        <p:nvSpPr>
-          <p:cNvPr id="3" name="Title 2"/>
-          <p:cNvSpPr>
-            <a:spLocks noGrp="1"/>
-          </p:cNvSpPr>
-          <p:nvPr>
-            <p:ph type="title"/>
-          </p:nvPr>
-        </p:nvSpPr>
-        <p:spPr/>
-        <p:txBody>
-          <a:bodyPr/>
-          <a:lstStyle/>
-          <a:p>
-            <a:r>
-              <a:rPr lang="en-US" dirty="0" smtClean="0"/>
-              <a:t>Mock Functions</a:t>
-            </a:r>
-            <a:endParaRPr lang="en-US" dirty="0"/>
-          </a:p>
-        </p:txBody>
-      </p:sp>
-    </p:spTree>
-    <p:extLst>
-      <p:ext uri="{BB962C8B-B14F-4D97-AF65-F5344CB8AC3E}">
-        <p14:creationId xmlns:p14="http://schemas.microsoft.com/office/powerpoint/2010/main" val="1242042018"/>
-      </p:ext>
-    </p:extLst>
-  </p:cSld>
-  <p:clrMapOvr>
-    <a:masterClrMapping/>
-  </p:clrMapOvr>
-  <mc:AlternateContent xmlns:mc="http://schemas.openxmlformats.org/markup-compatibility/2006" xmlns:p14="http://schemas.microsoft.com/office/powerpoint/2010/main">
-    <mc:Choice Requires="p14">
-      <p:transition p14:dur="0"/>
-    </mc:Choice>
-    <mc:Fallback xmlns="">
-      <p:transition/>
-    </mc:Fallback>
-  </mc:AlternateContent>
-</p:sld>
-</file>
-
-<file path=ppt/slides/slide20.xml><?xml version="1.0" encoding="utf-8"?>
+<file path=ppt/slides/slide21.xml><?xml version="1.0" encoding="utf-8"?>
 <p:sld xmlns:a="http://schemas.openxmlformats.org/drawingml/2006/main" xmlns:r="http://schemas.openxmlformats.org/officeDocument/2006/relationships" xmlns:p="http://schemas.openxmlformats.org/presentationml/2006/main">
   <p:cSld>
     <p:spTree>
@@ -13578,7 +13891,7 @@
 </p:sld>
 </file>
 
-<file path=ppt/slides/slide21.xml><?xml version="1.0" encoding="utf-8"?>
+<file path=ppt/slides/slide22.xml><?xml version="1.0" encoding="utf-8"?>
 <p:sld xmlns:a="http://schemas.openxmlformats.org/drawingml/2006/main" xmlns:r="http://schemas.openxmlformats.org/officeDocument/2006/relationships" xmlns:p="http://schemas.openxmlformats.org/presentationml/2006/main">
   <p:cSld>
     <p:spTree>
@@ -14045,7 +14358,7 @@
 </p:sld>
 </file>
 
-<file path=ppt/slides/slide22.xml><?xml version="1.0" encoding="utf-8"?>
+<file path=ppt/slides/slide23.xml><?xml version="1.0" encoding="utf-8"?>
 <p:sld xmlns:a="http://schemas.openxmlformats.org/drawingml/2006/main" xmlns:r="http://schemas.openxmlformats.org/officeDocument/2006/relationships" xmlns:p="http://schemas.openxmlformats.org/presentationml/2006/main">
   <p:cSld>
     <p:spTree>
@@ -14430,224 +14743,7 @@
             </a:pPr>
             <a:r>
               <a:rPr lang="en-US" dirty="0" smtClean="0"/>
-              <a:t> </a:t>
-            </a:r>
-            <a:r>
-              <a:rPr lang="en-US" dirty="0" err="1" smtClean="0">
-                <a:solidFill>
-                  <a:srgbClr val="FF0000"/>
-                </a:solidFill>
-              </a:rPr>
-              <a:t>jest.fn</a:t>
-            </a:r>
-            <a:r>
-              <a:rPr lang="en-US" dirty="0" smtClean="0">
-                <a:solidFill>
-                  <a:srgbClr val="FF0000"/>
-                </a:solidFill>
-              </a:rPr>
-              <a:t>()</a:t>
-            </a:r>
-            <a:r>
-              <a:rPr lang="en-US" dirty="0" smtClean="0"/>
-              <a:t> returns a Mock Function which returns values</a:t>
-            </a:r>
-          </a:p>
-          <a:p>
-            <a:pPr marL="917575" lvl="2" indent="-342900">
-              <a:buFont typeface="Arial" charset="0"/>
-              <a:buChar char="•"/>
-            </a:pPr>
-            <a:r>
-              <a:rPr lang="en-US" b="1" dirty="0" err="1">
-                <a:solidFill>
-                  <a:srgbClr val="000080"/>
-                </a:solidFill>
-              </a:rPr>
-              <a:t>const</a:t>
-            </a:r>
-            <a:r>
-              <a:rPr lang="en-US" b="1" dirty="0">
-                <a:solidFill>
-                  <a:srgbClr val="000080"/>
-                </a:solidFill>
-              </a:rPr>
-              <a:t> </a:t>
-            </a:r>
-            <a:r>
-              <a:rPr lang="en-US" b="1" i="1" dirty="0" err="1">
-                <a:solidFill>
-                  <a:srgbClr val="660E7A"/>
-                </a:solidFill>
-              </a:rPr>
-              <a:t>myMock</a:t>
-            </a:r>
-            <a:r>
-              <a:rPr lang="en-US" b="1" i="1" dirty="0">
-                <a:solidFill>
-                  <a:srgbClr val="660E7A"/>
-                </a:solidFill>
-              </a:rPr>
-              <a:t> </a:t>
-            </a:r>
-            <a:r>
-              <a:rPr lang="en-US" dirty="0"/>
-              <a:t>= </a:t>
-            </a:r>
-            <a:r>
-              <a:rPr lang="en-US" dirty="0" err="1"/>
-              <a:t>jest.</a:t>
-            </a:r>
-            <a:r>
-              <a:rPr lang="en-US" b="1" dirty="0" err="1">
-                <a:solidFill>
-                  <a:srgbClr val="660E7A"/>
-                </a:solidFill>
-              </a:rPr>
-              <a:t>fn</a:t>
-            </a:r>
-            <a:r>
-              <a:rPr lang="en-US" dirty="0"/>
-              <a:t>();</a:t>
-            </a:r>
-            <a:br>
-              <a:rPr lang="en-US" dirty="0"/>
-            </a:br>
-            <a:r>
-              <a:rPr lang="en-US" b="1" i="1" dirty="0" err="1">
-                <a:solidFill>
-                  <a:srgbClr val="660E7A"/>
-                </a:solidFill>
-              </a:rPr>
-              <a:t>myMock</a:t>
-            </a:r>
-            <a:r>
-              <a:rPr lang="en-US" dirty="0"/>
-              <a:t>(</a:t>
-            </a:r>
-            <a:r>
-              <a:rPr lang="en-US" b="1" dirty="0">
-                <a:solidFill>
-                  <a:srgbClr val="008000"/>
-                </a:solidFill>
-              </a:rPr>
-              <a:t>'1'</a:t>
-            </a:r>
-            <a:r>
-              <a:rPr lang="en-US" dirty="0"/>
-              <a:t>);</a:t>
-            </a:r>
-            <a:br>
-              <a:rPr lang="en-US" dirty="0"/>
-            </a:br>
-            <a:r>
-              <a:rPr lang="en-US" b="1" i="1" dirty="0" err="1">
-                <a:solidFill>
-                  <a:srgbClr val="660E7A"/>
-                </a:solidFill>
-              </a:rPr>
-              <a:t>myMock</a:t>
-            </a:r>
-            <a:r>
-              <a:rPr lang="en-US" dirty="0"/>
-              <a:t>(</a:t>
-            </a:r>
-            <a:r>
-              <a:rPr lang="en-US" b="1" dirty="0">
-                <a:solidFill>
-                  <a:srgbClr val="008000"/>
-                </a:solidFill>
-              </a:rPr>
-              <a:t>'a'</a:t>
-            </a:r>
-            <a:r>
-              <a:rPr lang="en-US" dirty="0"/>
-              <a:t>, </a:t>
-            </a:r>
-            <a:r>
-              <a:rPr lang="en-US" b="1" dirty="0">
-                <a:solidFill>
-                  <a:srgbClr val="008000"/>
-                </a:solidFill>
-              </a:rPr>
-              <a:t>'b'</a:t>
-            </a:r>
-            <a:r>
-              <a:rPr lang="en-US" dirty="0"/>
-              <a:t>);</a:t>
-            </a:r>
-            <a:br>
-              <a:rPr lang="en-US" dirty="0"/>
-            </a:br>
-            <a:r>
-              <a:rPr lang="en-US" b="1" dirty="0" err="1">
-                <a:solidFill>
-                  <a:srgbClr val="660E7A"/>
-                </a:solidFill>
-              </a:rPr>
-              <a:t>console</a:t>
-            </a:r>
-            <a:r>
-              <a:rPr lang="en-US" dirty="0" err="1"/>
-              <a:t>.</a:t>
-            </a:r>
-            <a:r>
-              <a:rPr lang="en-US" dirty="0" err="1">
-                <a:solidFill>
-                  <a:srgbClr val="7A7A43"/>
-                </a:solidFill>
-              </a:rPr>
-              <a:t>log</a:t>
-            </a:r>
-            <a:r>
-              <a:rPr lang="en-US" dirty="0"/>
-              <a:t>(</a:t>
-            </a:r>
-            <a:r>
-              <a:rPr lang="en-US" b="1" i="1" dirty="0" err="1">
-                <a:solidFill>
-                  <a:srgbClr val="660E7A"/>
-                </a:solidFill>
-              </a:rPr>
-              <a:t>myMock</a:t>
-            </a:r>
-            <a:r>
-              <a:rPr lang="en-US" dirty="0" err="1"/>
-              <a:t>.mock.calls</a:t>
-            </a:r>
-            <a:r>
-              <a:rPr lang="en-US" dirty="0"/>
-              <a:t>);</a:t>
-            </a:r>
-            <a:br>
-              <a:rPr lang="en-US" dirty="0"/>
-            </a:br>
-            <a:r>
-              <a:rPr lang="en-US" i="1" dirty="0">
-                <a:solidFill>
-                  <a:srgbClr val="808080"/>
-                </a:solidFill>
-              </a:rPr>
-              <a:t>// &gt; [ [1], ['a', 'b'] </a:t>
-            </a:r>
-            <a:r>
-              <a:rPr lang="en-US" i="1" dirty="0" smtClean="0">
-                <a:solidFill>
-                  <a:srgbClr val="808080"/>
-                </a:solidFill>
-              </a:rPr>
-              <a:t>]</a:t>
-            </a:r>
-            <a:endParaRPr lang="en-US" dirty="0" smtClean="0"/>
-          </a:p>
-          <a:p>
-            <a:pPr marL="342900" indent="-342900">
-              <a:buFont typeface="Arial" charset="0"/>
-              <a:buChar char="•"/>
-            </a:pPr>
-            <a:r>
-              <a:rPr lang="en-US" dirty="0" smtClean="0"/>
-              <a:t>All mock functions have the following API	</a:t>
+              <a:t>These are the steps to use</a:t>
             </a:r>
           </a:p>
           <a:p>
@@ -14656,26 +14752,34 @@
               <a:buChar char="•"/>
             </a:pPr>
             <a:r>
-              <a:rPr lang="en-US" dirty="0"/>
-              <a:t> </a:t>
-            </a:r>
-            <a:r>
-              <a:rPr lang="en-US" dirty="0" smtClean="0">
-                <a:solidFill>
-                  <a:srgbClr val="FF0000"/>
-                </a:solidFill>
-              </a:rPr>
-              <a:t>.mock</a:t>
-            </a:r>
-            <a:r>
-              <a:rPr lang="en-US" dirty="0" smtClean="0"/>
-              <a:t> property </a:t>
+              <a:rPr lang="en-US" dirty="0" smtClean="0"/>
+              <a:t>Test Program </a:t>
             </a:r>
             <a:r>
               <a:rPr lang="en-US" dirty="0" smtClean="0">
                 <a:sym typeface="Wingdings"/>
               </a:rPr>
-              <a:t> where the data for each call is stored</a:t>
+              <a:t> </a:t>
+            </a:r>
+            <a:r>
+              <a:rPr lang="en-US" dirty="0" smtClean="0"/>
+              <a:t>Create </a:t>
+            </a:r>
+            <a:r>
+              <a:rPr lang="en-US" dirty="0" smtClean="0"/>
+              <a:t>a </a:t>
+            </a:r>
+            <a:r>
+              <a:rPr lang="en-US" dirty="0" smtClean="0">
+                <a:solidFill>
+                  <a:srgbClr val="FF0000"/>
+                </a:solidFill>
+              </a:rPr>
+              <a:t>MOCK</a:t>
+            </a:r>
+            <a:r>
+              <a:rPr lang="en-US" dirty="0" smtClean="0"/>
+              <a:t> function (callback) in the test program</a:t>
             </a:r>
           </a:p>
           <a:p>
@@ -14684,34 +14788,38 @@
               <a:buChar char="•"/>
             </a:pPr>
             <a:r>
-              <a:rPr lang="en-US" dirty="0">
-                <a:sym typeface="Wingdings"/>
-              </a:rPr>
-              <a:t> </a:t>
-            </a:r>
-            <a:r>
-              <a:rPr lang="en-US" dirty="0" smtClean="0">
-                <a:solidFill>
-                  <a:srgbClr val="FF0000"/>
-                </a:solidFill>
-                <a:sym typeface="Wingdings"/>
-              </a:rPr>
-              <a:t>.</a:t>
-            </a:r>
-            <a:r>
-              <a:rPr lang="en-US" dirty="0" err="1" smtClean="0">
-                <a:solidFill>
-                  <a:srgbClr val="FF0000"/>
-                </a:solidFill>
-                <a:sym typeface="Wingdings"/>
-              </a:rPr>
-              <a:t>mock.calls</a:t>
+              <a:rPr lang="en-US" dirty="0" smtClean="0"/>
+              <a:t>Test Program </a:t>
             </a:r>
             <a:r>
               <a:rPr lang="en-US" dirty="0" smtClean="0">
                 <a:sym typeface="Wingdings"/>
               </a:rPr>
-              <a:t>  array of parameters when it is called</a:t>
+              <a:t></a:t>
+            </a:r>
+            <a:r>
+              <a:rPr lang="en-US" dirty="0" smtClean="0"/>
+              <a:t>Pass </a:t>
+            </a:r>
+            <a:r>
+              <a:rPr lang="en-US" dirty="0" smtClean="0"/>
+              <a:t>the </a:t>
+            </a:r>
+            <a:r>
+              <a:rPr lang="en-US" dirty="0" smtClean="0">
+                <a:solidFill>
+                  <a:srgbClr val="FF0000"/>
+                </a:solidFill>
+              </a:rPr>
+              <a:t>MOCK</a:t>
+            </a:r>
+            <a:r>
+              <a:rPr lang="en-US" dirty="0" smtClean="0"/>
+              <a:t> function as an attribute in the </a:t>
+            </a:r>
+            <a:r>
+              <a:rPr lang="en-US" dirty="0" smtClean="0"/>
+              <a:t>UUT</a:t>
             </a:r>
           </a:p>
           <a:p>
@@ -14720,63 +14828,167 @@
               <a:buChar char="•"/>
             </a:pPr>
             <a:r>
-              <a:rPr lang="en-US" dirty="0">
-                <a:sym typeface="Wingdings"/>
-              </a:rPr>
-              <a:t> </a:t>
-            </a:r>
-            <a:r>
-              <a:rPr lang="en-US" dirty="0" smtClean="0">
-                <a:solidFill>
-                  <a:srgbClr val="FF0000"/>
-                </a:solidFill>
-                <a:sym typeface="Wingdings"/>
-              </a:rPr>
-              <a:t>.</a:t>
-            </a:r>
-            <a:r>
-              <a:rPr lang="en-US" dirty="0" err="1" smtClean="0">
-                <a:solidFill>
-                  <a:srgbClr val="FF0000"/>
-                </a:solidFill>
-                <a:sym typeface="Wingdings"/>
-              </a:rPr>
-              <a:t>mock.calls.length</a:t>
+              <a:rPr lang="en-US" dirty="0" smtClean="0"/>
+              <a:t>Test Program </a:t>
             </a:r>
             <a:r>
               <a:rPr lang="en-US" dirty="0" smtClean="0">
                 <a:sym typeface="Wingdings"/>
               </a:rPr>
-              <a:t>  how many times it is called</a:t>
-            </a:r>
-          </a:p>
-          <a:p>
-            <a:pPr marL="342900" indent="-342900">
+              <a:t> </a:t>
+            </a:r>
+            <a:r>
+              <a:rPr lang="en-US" dirty="0" smtClean="0">
+                <a:solidFill>
+                  <a:srgbClr val="FF0000"/>
+                </a:solidFill>
+              </a:rPr>
+              <a:t>Render</a:t>
+            </a:r>
+            <a:r>
+              <a:rPr lang="en-US" dirty="0" smtClean="0"/>
+              <a:t> </a:t>
+            </a:r>
+            <a:r>
+              <a:rPr lang="en-US" dirty="0" smtClean="0"/>
+              <a:t>the Component (the Unit Under Test</a:t>
+            </a:r>
+            <a:r>
+              <a:rPr lang="en-US" dirty="0" smtClean="0"/>
+              <a:t>)</a:t>
+            </a:r>
+          </a:p>
+          <a:p>
+            <a:pPr marL="631825" lvl="1" indent="-342900">
               <a:buFont typeface="Arial" charset="0"/>
               <a:buChar char="•"/>
             </a:pPr>
+            <a:r>
+              <a:rPr lang="en-US" dirty="0" smtClean="0"/>
+              <a:t>Test Program </a:t>
+            </a:r>
             <a:r>
               <a:rPr lang="en-US" dirty="0" smtClean="0">
                 <a:sym typeface="Wingdings"/>
               </a:rPr>
-              <a:t>Use the mock function as the </a:t>
+              <a:t> </a:t>
             </a:r>
             <a:r>
               <a:rPr lang="en-US" dirty="0" smtClean="0">
                 <a:solidFill>
                   <a:srgbClr val="FF0000"/>
                 </a:solidFill>
-                <a:sym typeface="Wingdings"/>
               </a:rPr>
-              <a:t>CALLBACK</a:t>
+              <a:t>Simulate</a:t>
+            </a:r>
+            <a:r>
+              <a:rPr lang="en-US" dirty="0" smtClean="0"/>
+              <a:t> </a:t>
+            </a:r>
+            <a:r>
+              <a:rPr lang="en-US" dirty="0" smtClean="0"/>
+              <a:t>an Event (a click, submit, </a:t>
+            </a:r>
+            <a:r>
+              <a:rPr lang="en-US" dirty="0" err="1" smtClean="0"/>
+              <a:t>etc</a:t>
+            </a:r>
+            <a:r>
+              <a:rPr lang="en-US" dirty="0" smtClean="0"/>
+              <a:t>)</a:t>
+            </a:r>
+          </a:p>
+          <a:p>
+            <a:pPr marL="631825" lvl="1" indent="-342900">
+              <a:buFont typeface="Arial" charset="0"/>
+              <a:buChar char="•"/>
+            </a:pPr>
+            <a:r>
+              <a:rPr lang="en-US" dirty="0" smtClean="0"/>
+              <a:t>UUT </a:t>
             </a:r>
             <a:r>
               <a:rPr lang="en-US" dirty="0" smtClean="0">
                 <a:sym typeface="Wingdings"/>
               </a:rPr>
-              <a:t> in the UUT</a:t>
+              <a:t> Event Handler invokes the callback (with data??)</a:t>
             </a:r>
             <a:endParaRPr lang="en-US" dirty="0" smtClean="0"/>
+          </a:p>
+          <a:p>
+            <a:pPr marL="631825" lvl="1" indent="-342900">
+              <a:buFont typeface="Arial" charset="0"/>
+              <a:buChar char="•"/>
+            </a:pPr>
+            <a:r>
+              <a:rPr lang="en-US" dirty="0" smtClean="0"/>
+              <a:t>Test Program </a:t>
+            </a:r>
+            <a:r>
+              <a:rPr lang="en-US" dirty="0" smtClean="0">
+                <a:sym typeface="Wingdings"/>
+              </a:rPr>
+              <a:t> </a:t>
+            </a:r>
+            <a:r>
+              <a:rPr lang="en-US" dirty="0" smtClean="0"/>
+              <a:t>Verify </a:t>
+            </a:r>
+            <a:r>
+              <a:rPr lang="en-US" dirty="0" smtClean="0"/>
+              <a:t>the </a:t>
+            </a:r>
+            <a:r>
+              <a:rPr lang="en-US" dirty="0" smtClean="0">
+                <a:solidFill>
+                  <a:srgbClr val="FF0000"/>
+                </a:solidFill>
+              </a:rPr>
+              <a:t>MOCK</a:t>
+            </a:r>
+            <a:r>
+              <a:rPr lang="en-US" dirty="0" smtClean="0"/>
+              <a:t> function was called.</a:t>
+            </a:r>
+          </a:p>
+          <a:p>
+            <a:pPr marL="342900" indent="-342900">
+              <a:buFont typeface="Arial" charset="0"/>
+              <a:buChar char="•"/>
+            </a:pPr>
+            <a:endParaRPr lang="en-US" dirty="0"/>
+          </a:p>
+          <a:p>
+            <a:pPr marL="342900" indent="-342900">
+              <a:buFont typeface="Arial" charset="0"/>
+              <a:buChar char="•"/>
+            </a:pPr>
+            <a:r>
+              <a:rPr lang="en-US" dirty="0" smtClean="0"/>
+              <a:t>Can also verify parameters</a:t>
+            </a:r>
+          </a:p>
+          <a:p>
+            <a:pPr marL="342900" indent="-342900">
+              <a:buFont typeface="Arial" charset="0"/>
+              <a:buChar char="•"/>
+            </a:pPr>
+            <a:r>
+              <a:rPr lang="en-US" dirty="0" smtClean="0"/>
+              <a:t>Can also return </a:t>
+            </a:r>
+            <a:r>
+              <a:rPr lang="en-US" dirty="0" smtClean="0">
+                <a:solidFill>
+                  <a:srgbClr val="FF0000"/>
+                </a:solidFill>
+              </a:rPr>
+              <a:t>specific</a:t>
+            </a:r>
+            <a:r>
+              <a:rPr lang="en-US" dirty="0" smtClean="0"/>
+              <a:t> values from the MOCK function, to the Component</a:t>
+            </a:r>
           </a:p>
         </p:txBody>
       </p:sp>
@@ -14797,15 +15009,7 @@
           <a:p>
             <a:r>
               <a:rPr lang="en-US" dirty="0" smtClean="0"/>
-              <a:t> </a:t>
-            </a:r>
-            <a:r>
-              <a:rPr lang="en-US" dirty="0" err="1" smtClean="0"/>
-              <a:t>jest.fn</a:t>
-            </a:r>
-            <a:r>
-              <a:rPr lang="en-US" dirty="0" smtClean="0"/>
-              <a:t>()</a:t>
+              <a:t>What Happens?</a:t>
             </a:r>
             <a:endParaRPr lang="en-US" dirty="0"/>
           </a:p>
@@ -14814,7 +15018,7 @@
     </p:spTree>
     <p:extLst>
       <p:ext uri="{BB962C8B-B14F-4D97-AF65-F5344CB8AC3E}">
-        <p14:creationId xmlns:p14="http://schemas.microsoft.com/office/powerpoint/2010/main" val="657284605"/>
+        <p14:creationId xmlns:p14="http://schemas.microsoft.com/office/powerpoint/2010/main" val="792294250"/>
       </p:ext>
     </p:extLst>
   </p:cSld>
@@ -14870,24 +15074,50 @@
             </a:pPr>
             <a:r>
               <a:rPr lang="en-US" dirty="0" smtClean="0"/>
-              <a:t>Mock Return Values</a:t>
-            </a:r>
-          </a:p>
-          <a:p>
-            <a:pPr marL="342900" indent="-342900">
+              <a:t> </a:t>
+            </a:r>
+            <a:r>
+              <a:rPr lang="en-US" dirty="0" err="1" smtClean="0">
+                <a:solidFill>
+                  <a:srgbClr val="FF0000"/>
+                </a:solidFill>
+              </a:rPr>
+              <a:t>jest.fn</a:t>
+            </a:r>
+            <a:r>
+              <a:rPr lang="en-US" dirty="0" smtClean="0">
+                <a:solidFill>
+                  <a:srgbClr val="FF0000"/>
+                </a:solidFill>
+              </a:rPr>
+              <a:t>()</a:t>
+            </a:r>
+            <a:r>
+              <a:rPr lang="en-US" dirty="0" smtClean="0"/>
+              <a:t> returns a Mock Function which returns values</a:t>
+            </a:r>
+          </a:p>
+          <a:p>
+            <a:pPr marL="917575" lvl="2" indent="-342900">
               <a:buFont typeface="Arial" charset="0"/>
               <a:buChar char="•"/>
             </a:pPr>
             <a:r>
-              <a:rPr lang="en-US" dirty="0" smtClean="0"/>
-              <a:t>Allows the UUT to have pre-determined value</a:t>
-            </a:r>
-          </a:p>
-          <a:p>
-            <a:pPr marL="1203325" lvl="3" indent="-342900">
-              <a:buFont typeface="Arial" charset="0"/>
-              <a:buChar char="•"/>
-            </a:pPr>
+              <a:rPr lang="en-US" b="1" dirty="0" err="1">
+                <a:solidFill>
+                  <a:srgbClr val="000080"/>
+                </a:solidFill>
+              </a:rPr>
+              <a:t>const</a:t>
+            </a:r>
+            <a:r>
+              <a:rPr lang="en-US" b="1" dirty="0">
+                <a:solidFill>
+                  <a:srgbClr val="000080"/>
+                </a:solidFill>
+              </a:rPr>
+              <a:t> </a:t>
+            </a:r>
             <a:r>
               <a:rPr lang="en-US" b="1" i="1" dirty="0" err="1">
                 <a:solidFill>
@@ -14897,35 +15127,43 @@
               <a:t>myMock</a:t>
             </a:r>
             <a:r>
+              <a:rPr lang="en-US" b="1" i="1" dirty="0">
+                <a:solidFill>
+                  <a:srgbClr val="660E7A"/>
+                </a:solidFill>
+              </a:rPr>
+              <a:t> </a:t>
+            </a:r>
+            <a:r>
+              <a:rPr lang="en-US" dirty="0"/>
+              <a:t>= </a:t>
+            </a:r>
+            <a:r>
               <a:rPr lang="en-US" dirty="0" err="1"/>
-              <a:t>.mockReturnValueOnce</a:t>
+              <a:t>jest.</a:t>
+            </a:r>
+            <a:r>
+              <a:rPr lang="en-US" b="1" dirty="0" err="1">
+                <a:solidFill>
+                  <a:srgbClr val="660E7A"/>
+                </a:solidFill>
+              </a:rPr>
+              <a:t>fn</a:t>
             </a:r>
             <a:r>
               <a:rPr lang="en-US" dirty="0"/>
-              <a:t>(</a:t>
-            </a:r>
-            <a:r>
-              <a:rPr lang="en-US" dirty="0">
-                <a:solidFill>
-                  <a:srgbClr val="0000FF"/>
-                </a:solidFill>
-              </a:rPr>
-              <a:t>10</a:t>
-            </a:r>
-            <a:r>
-              <a:rPr lang="en-US" dirty="0"/>
-              <a:t>)</a:t>
+              <a:t>();</a:t>
             </a:r>
             <a:br>
               <a:rPr lang="en-US" dirty="0"/>
             </a:br>
             <a:r>
-              <a:rPr lang="en-US" dirty="0"/>
-              <a:t>    .</a:t>
-            </a:r>
-            <a:r>
-              <a:rPr lang="en-US" dirty="0" err="1"/>
-              <a:t>mockReturnValueOnce</a:t>
+              <a:rPr lang="en-US" b="1" i="1" dirty="0" err="1">
+                <a:solidFill>
+                  <a:srgbClr val="660E7A"/>
+                </a:solidFill>
+              </a:rPr>
+              <a:t>myMock</a:t>
             </a:r>
             <a:r>
               <a:rPr lang="en-US" dirty="0"/>
@@ -14937,22 +15175,22 @@
                   <a:srgbClr val="008000"/>
                 </a:solidFill>
               </a:rPr>
-              <a:t>'x'</a:t>
+              <a:t>'1'</a:t>
             </a:r>
             <a:r>
               <a:rPr lang="en-US" dirty="0"/>
-              <a:t>)</a:t>
+              <a:t>);</a:t>
             </a:r>
             <a:br>
               <a:rPr lang="en-US" dirty="0"/>
             </a:br>
             <a:r>
-              <a:rPr lang="en-US" dirty="0"/>
-              <a:t>    .</a:t>
-            </a:r>
-            <a:r>
-              <a:rPr lang="en-US" dirty="0" err="1"/>
-              <a:t>mockReturnValue</a:t>
+              <a:rPr lang="en-US" b="1" i="1" dirty="0" err="1">
+                <a:solidFill>
+                  <a:srgbClr val="660E7A"/>
+                </a:solidFill>
+              </a:rPr>
+              <a:t>myMock</a:t>
             </a:r>
             <a:r>
               <a:rPr lang="en-US" dirty="0"/>
@@ -14961,10 +15199,22 @@
             <a:r>
               <a:rPr lang="en-US" b="1" dirty="0">
                 <a:solidFill>
-                  <a:srgbClr val="000080"/>
+                  <a:srgbClr val="008000"/>
                 </a:solidFill>
               </a:rPr>
-              <a:t>true</a:t>
+              <a:t>'a'</a:t>
+            </a:r>
+            <a:r>
+              <a:rPr lang="en-US" dirty="0"/>
+              <a:t>, </a:t>
+            </a:r>
+            <a:r>
+              <a:rPr lang="en-US" b="1" dirty="0">
+                <a:solidFill>
+                  <a:srgbClr val="008000"/>
+                </a:solidFill>
+              </a:rPr>
+              <a:t>'b'</a:t>
             </a:r>
             <a:r>
               <a:rPr lang="en-US" dirty="0"/>
@@ -14974,113 +15224,202 @@
               <a:rPr lang="en-US" dirty="0"/>
             </a:br>
             <a:r>
+              <a:rPr lang="en-US" b="1" dirty="0" err="1">
+                <a:solidFill>
+                  <a:srgbClr val="660E7A"/>
+                </a:solidFill>
+              </a:rPr>
+              <a:t>console</a:t>
+            </a:r>
+            <a:r>
+              <a:rPr lang="en-US" dirty="0" err="1"/>
+              <a:t>.</a:t>
+            </a:r>
+            <a:r>
+              <a:rPr lang="en-US" dirty="0" err="1">
+                <a:solidFill>
+                  <a:srgbClr val="7A7A43"/>
+                </a:solidFill>
+              </a:rPr>
+              <a:t>log</a:t>
+            </a:r>
+            <a:r>
               <a:rPr lang="en-US" dirty="0"/>
-              <a:t/>
+              <a:t>(</a:t>
+            </a:r>
+            <a:r>
+              <a:rPr lang="en-US" b="1" i="1" dirty="0" err="1">
+                <a:solidFill>
+                  <a:srgbClr val="660E7A"/>
+                </a:solidFill>
+              </a:rPr>
+              <a:t>myMock</a:t>
+            </a:r>
+            <a:r>
+              <a:rPr lang="en-US" dirty="0" err="1"/>
+              <a:t>.mock.calls</a:t>
+            </a:r>
+            <a:r>
+              <a:rPr lang="en-US" dirty="0"/>
+              <a:t>);</a:t>
             </a:r>
             <a:br>
               <a:rPr lang="en-US" dirty="0"/>
             </a:br>
             <a:r>
-              <a:rPr lang="en-US" b="1" dirty="0" err="1">
-                <a:solidFill>
-                  <a:srgbClr val="660E7A"/>
+              <a:rPr lang="en-US" i="1" dirty="0">
+                <a:solidFill>
+                  <a:srgbClr val="808080"/>
                 </a:solidFill>
               </a:rPr>
-              <a:t>console</a:t>
-            </a:r>
-            <a:r>
-              <a:rPr lang="en-US" dirty="0" err="1"/>
-              <a:t>.</a:t>
-            </a:r>
-            <a:r>
-              <a:rPr lang="en-US" dirty="0" err="1">
-                <a:solidFill>
-                  <a:srgbClr val="7A7A43"/>
+              <a:t>// &gt; [ [1], ['a', 'b'] </a:t>
+            </a:r>
+            <a:r>
+              <a:rPr lang="en-US" i="1" dirty="0" smtClean="0">
+                <a:solidFill>
+                  <a:srgbClr val="808080"/>
                 </a:solidFill>
               </a:rPr>
-              <a:t>log</a:t>
-            </a:r>
-            <a:r>
-              <a:rPr lang="en-US" dirty="0"/>
-              <a:t>(</a:t>
-            </a:r>
-            <a:r>
-              <a:rPr lang="en-US" b="1" i="1" dirty="0" err="1">
-                <a:solidFill>
-                  <a:srgbClr val="660E7A"/>
-                </a:solidFill>
-              </a:rPr>
-              <a:t>myMock</a:t>
-            </a:r>
-            <a:r>
-              <a:rPr lang="en-US" dirty="0"/>
-              <a:t>(), </a:t>
-            </a:r>
-            <a:r>
-              <a:rPr lang="en-US" b="1" i="1" dirty="0" err="1">
-                <a:solidFill>
-                  <a:srgbClr val="660E7A"/>
-                </a:solidFill>
-              </a:rPr>
-              <a:t>myMock</a:t>
-            </a:r>
-            <a:r>
-              <a:rPr lang="en-US" dirty="0"/>
-              <a:t>(), </a:t>
-            </a:r>
-            <a:r>
-              <a:rPr lang="en-US" b="1" i="1" dirty="0" err="1">
-                <a:solidFill>
-                  <a:srgbClr val="660E7A"/>
-                </a:solidFill>
-              </a:rPr>
-              <a:t>myMock</a:t>
-            </a:r>
-            <a:r>
-              <a:rPr lang="en-US" dirty="0"/>
-              <a:t>(), </a:t>
-            </a:r>
-            <a:r>
-              <a:rPr lang="en-US" b="1" i="1" dirty="0" err="1">
-                <a:solidFill>
-                  <a:srgbClr val="660E7A"/>
-                </a:solidFill>
-              </a:rPr>
-              <a:t>myMock</a:t>
-            </a:r>
-            <a:r>
-              <a:rPr lang="en-US" dirty="0"/>
-              <a:t>());</a:t>
-            </a:r>
-            <a:br>
-              <a:rPr lang="en-US" dirty="0"/>
-            </a:br>
-            <a:r>
-              <a:rPr lang="en-US" i="1" dirty="0">
-                <a:solidFill>
-                  <a:srgbClr val="808080"/>
-                </a:solidFill>
-              </a:rPr>
-              <a:t>// &gt; 10, 'x', true, true</a:t>
-            </a:r>
-            <a:br>
-              <a:rPr lang="en-US" i="1" dirty="0">
-                <a:solidFill>
-                  <a:srgbClr val="808080"/>
-                </a:solidFill>
-              </a:rPr>
-            </a:br>
-            <a:endParaRPr lang="en-US" i="1" dirty="0" smtClean="0">
-              <a:solidFill>
-                <a:srgbClr val="808080"/>
-              </a:solidFill>
-            </a:endParaRPr>
+              <a:t>]</a:t>
+            </a:r>
+            <a:endParaRPr lang="en-US" dirty="0" smtClean="0"/>
           </a:p>
           <a:p>
             <a:pPr marL="342900" indent="-342900">
               <a:buFont typeface="Arial" charset="0"/>
               <a:buChar char="•"/>
             </a:pPr>
+            <a:r>
+              <a:rPr lang="en-US" dirty="0" smtClean="0"/>
+              <a:t>All mock functions have the following API	</a:t>
+            </a:r>
+          </a:p>
+          <a:p>
+            <a:pPr marL="631825" lvl="1" indent="-342900">
+              <a:buFont typeface="Arial" charset="0"/>
+              <a:buChar char="•"/>
+            </a:pPr>
+            <a:r>
+              <a:rPr lang="en-US" dirty="0"/>
+              <a:t> </a:t>
+            </a:r>
+            <a:r>
+              <a:rPr lang="en-US" dirty="0" smtClean="0">
+                <a:solidFill>
+                  <a:srgbClr val="FF0000"/>
+                </a:solidFill>
+              </a:rPr>
+              <a:t>.mock</a:t>
+            </a:r>
+            <a:r>
+              <a:rPr lang="en-US" dirty="0" smtClean="0"/>
+              <a:t> property </a:t>
+            </a:r>
+            <a:r>
+              <a:rPr lang="en-US" dirty="0" smtClean="0">
+                <a:sym typeface="Wingdings"/>
+              </a:rPr>
+              <a:t> where the data for each call is stored</a:t>
+            </a:r>
+          </a:p>
+          <a:p>
+            <a:pPr marL="631825" lvl="1" indent="-342900">
+              <a:buFont typeface="Arial" charset="0"/>
+              <a:buChar char="•"/>
+            </a:pPr>
+            <a:r>
+              <a:rPr lang="en-US" dirty="0">
+                <a:sym typeface="Wingdings"/>
+              </a:rPr>
+              <a:t> </a:t>
+            </a:r>
+            <a:r>
+              <a:rPr lang="en-US" dirty="0" smtClean="0">
+                <a:solidFill>
+                  <a:srgbClr val="FF0000"/>
+                </a:solidFill>
+                <a:sym typeface="Wingdings"/>
+              </a:rPr>
+              <a:t>.</a:t>
+            </a:r>
+            <a:r>
+              <a:rPr lang="en-US" dirty="0" err="1" smtClean="0">
+                <a:solidFill>
+                  <a:srgbClr val="FF0000"/>
+                </a:solidFill>
+                <a:sym typeface="Wingdings"/>
+              </a:rPr>
+              <a:t>mock.calls</a:t>
+            </a:r>
+            <a:r>
+              <a:rPr lang="en-US" dirty="0" smtClean="0">
+                <a:sym typeface="Wingdings"/>
+              </a:rPr>
+              <a:t>  array of parameters when it is called</a:t>
+            </a:r>
+          </a:p>
+          <a:p>
+            <a:pPr marL="631825" lvl="1" indent="-342900">
+              <a:buFont typeface="Arial" charset="0"/>
+              <a:buChar char="•"/>
+            </a:pPr>
+            <a:r>
+              <a:rPr lang="en-US" dirty="0">
+                <a:sym typeface="Wingdings"/>
+              </a:rPr>
+              <a:t> </a:t>
+            </a:r>
+            <a:r>
+              <a:rPr lang="en-US" dirty="0" smtClean="0">
+                <a:solidFill>
+                  <a:srgbClr val="FF0000"/>
+                </a:solidFill>
+                <a:sym typeface="Wingdings"/>
+              </a:rPr>
+              <a:t>.</a:t>
+            </a:r>
+            <a:r>
+              <a:rPr lang="en-US" dirty="0" err="1" smtClean="0">
+                <a:solidFill>
+                  <a:srgbClr val="FF0000"/>
+                </a:solidFill>
+                <a:sym typeface="Wingdings"/>
+              </a:rPr>
+              <a:t>mock.calls.length</a:t>
+            </a:r>
+            <a:r>
+              <a:rPr lang="en-US" dirty="0" smtClean="0">
+                <a:sym typeface="Wingdings"/>
+              </a:rPr>
+              <a:t>  how many times it is called</a:t>
+            </a:r>
+          </a:p>
+          <a:p>
+            <a:pPr marL="342900" indent="-342900">
+              <a:buFont typeface="Arial" charset="0"/>
+              <a:buChar char="•"/>
+            </a:pPr>
+            <a:r>
+              <a:rPr lang="en-US" dirty="0" smtClean="0">
+                <a:sym typeface="Wingdings"/>
+              </a:rPr>
+              <a:t>Use the mock function as the </a:t>
+            </a:r>
+            <a:r>
+              <a:rPr lang="en-US" dirty="0" smtClean="0">
+                <a:solidFill>
+                  <a:srgbClr val="FF0000"/>
+                </a:solidFill>
+                <a:sym typeface="Wingdings"/>
+              </a:rPr>
+              <a:t>CALLBACK</a:t>
+            </a:r>
+            <a:r>
+              <a:rPr lang="en-US" dirty="0" smtClean="0">
+                <a:sym typeface="Wingdings"/>
+              </a:rPr>
+              <a:t> in the UUT</a:t>
+            </a:r>
             <a:endParaRPr lang="en-US" dirty="0" smtClean="0"/>
           </a:p>
         </p:txBody>
@@ -15102,7 +15441,15 @@
           <a:p>
             <a:r>
               <a:rPr lang="en-US" dirty="0" smtClean="0"/>
-              <a:t>Return Known Values</a:t>
+              <a:t> </a:t>
+            </a:r>
+            <a:r>
+              <a:rPr lang="en-US" dirty="0" err="1" smtClean="0"/>
+              <a:t>jest.fn</a:t>
+            </a:r>
+            <a:r>
+              <a:rPr lang="en-US" dirty="0" smtClean="0"/>
+              <a:t>()</a:t>
             </a:r>
             <a:endParaRPr lang="en-US" dirty="0"/>
           </a:p>
@@ -15111,7 +15458,7 @@
     </p:spTree>
     <p:extLst>
       <p:ext uri="{BB962C8B-B14F-4D97-AF65-F5344CB8AC3E}">
-        <p14:creationId xmlns:p14="http://schemas.microsoft.com/office/powerpoint/2010/main" val="326476067"/>
+        <p14:creationId xmlns:p14="http://schemas.microsoft.com/office/powerpoint/2010/main" val="657284605"/>
       </p:ext>
     </p:extLst>
   </p:cSld>
@@ -15167,307 +15514,218 @@
             </a:pPr>
             <a:r>
               <a:rPr lang="en-US" dirty="0" smtClean="0"/>
-              <a:t>Create your own Mock Function</a:t>
-            </a:r>
-          </a:p>
-          <a:p>
-            <a:pPr marL="631825" lvl="1" indent="-342900">
+              <a:t>Mock Return Values</a:t>
+            </a:r>
+          </a:p>
+          <a:p>
+            <a:pPr marL="342900" indent="-342900">
               <a:buFont typeface="Arial" charset="0"/>
               <a:buChar char="•"/>
             </a:pPr>
             <a:r>
               <a:rPr lang="en-US" dirty="0" smtClean="0"/>
-              <a:t>To return more than just the values</a:t>
-            </a:r>
-          </a:p>
-          <a:p>
-            <a:pPr marL="917575" lvl="2" indent="-342900">
+              <a:t>Allows the UUT to have pre-determined value</a:t>
+            </a:r>
+          </a:p>
+          <a:p>
+            <a:pPr marL="1203325" lvl="3" indent="-342900">
               <a:buFont typeface="Arial" charset="0"/>
               <a:buChar char="•"/>
             </a:pPr>
             <a:r>
-              <a:rPr lang="en-US" b="1" dirty="0" err="1">
-                <a:solidFill>
-                  <a:srgbClr val="000080"/>
+              <a:rPr lang="en-US" b="1" i="1" dirty="0" err="1">
+                <a:solidFill>
+                  <a:srgbClr val="660E7A"/>
                 </a:solidFill>
               </a:rPr>
-              <a:t>const</a:t>
-            </a:r>
-            <a:r>
-              <a:rPr lang="en-US" b="1" dirty="0">
-                <a:solidFill>
-                  <a:srgbClr val="000080"/>
-                </a:solidFill>
-              </a:rPr>
-              <a:t> </a:t>
-            </a:r>
-            <a:r>
-              <a:rPr lang="en-US" b="1" i="1" dirty="0" err="1">
-                <a:solidFill>
-                  <a:srgbClr val="660E7A"/>
-                </a:solidFill>
-              </a:rPr>
-              <a:t>myMockFn</a:t>
-            </a:r>
-            <a:r>
-              <a:rPr lang="en-US" b="1" i="1" dirty="0">
-                <a:solidFill>
-                  <a:srgbClr val="660E7A"/>
-                </a:solidFill>
-              </a:rPr>
-              <a:t> </a:t>
-            </a:r>
-            <a:r>
-              <a:rPr lang="en-US" dirty="0"/>
-              <a:t>= </a:t>
+              <a:t>myMock</a:t>
             </a:r>
             <a:r>
               <a:rPr lang="en-US" dirty="0" err="1"/>
-              <a:t>jest.</a:t>
-            </a:r>
-            <a:r>
-              <a:rPr lang="en-US" b="1" dirty="0" err="1">
-                <a:solidFill>
-                  <a:srgbClr val="660E7A"/>
-                </a:solidFill>
-              </a:rPr>
-              <a:t>fn</a:t>
+              <a:t>.mockReturnValueOnce</a:t>
             </a:r>
             <a:r>
               <a:rPr lang="en-US" dirty="0"/>
               <a:t>(</a:t>
             </a:r>
             <a:r>
-              <a:rPr lang="en-US" dirty="0" err="1"/>
-              <a:t>cb</a:t>
+              <a:rPr lang="en-US" dirty="0">
+                <a:solidFill>
+                  <a:srgbClr val="0000FF"/>
+                </a:solidFill>
+              </a:rPr>
+              <a:t>10</a:t>
             </a:r>
             <a:r>
               <a:rPr lang="en-US" dirty="0"/>
-              <a:t> =&gt; </a:t>
-            </a:r>
-            <a:r>
-              <a:rPr lang="en-US" dirty="0" err="1"/>
-              <a:t>cb</a:t>
-            </a:r>
-            <a:r>
-              <a:rPr lang="en-US" dirty="0"/>
-              <a:t>(</a:t>
-            </a:r>
-            <a:r>
-              <a:rPr lang="en-US" b="1" dirty="0">
-                <a:solidFill>
-                  <a:srgbClr val="000080"/>
-                </a:solidFill>
-              </a:rPr>
-              <a:t>null</a:t>
-            </a:r>
-            <a:r>
-              <a:rPr lang="en-US" dirty="0"/>
-              <a:t>, </a:t>
-            </a:r>
-            <a:r>
-              <a:rPr lang="en-US" b="1" dirty="0">
-                <a:solidFill>
-                  <a:srgbClr val="000080"/>
-                </a:solidFill>
-              </a:rPr>
-              <a:t>true</a:t>
-            </a:r>
-            <a:r>
-              <a:rPr lang="en-US" dirty="0"/>
-              <a:t>));</a:t>
+              <a:t>)</a:t>
             </a:r>
             <a:br>
               <a:rPr lang="en-US" dirty="0"/>
             </a:br>
             <a:r>
               <a:rPr lang="en-US" dirty="0"/>
-              <a:t/>
+              <a:t>    .</a:t>
+            </a:r>
+            <a:r>
+              <a:rPr lang="en-US" dirty="0" err="1"/>
+              <a:t>mockReturnValueOnce</a:t>
+            </a:r>
+            <a:r>
+              <a:rPr lang="en-US" dirty="0"/>
+              <a:t>(</a:t>
+            </a:r>
+            <a:r>
+              <a:rPr lang="en-US" b="1" dirty="0">
+                <a:solidFill>
+                  <a:srgbClr val="008000"/>
+                </a:solidFill>
+              </a:rPr>
+              <a:t>'x'</a:t>
+            </a:r>
+            <a:r>
+              <a:rPr lang="en-US" dirty="0"/>
+              <a:t>)</a:t>
             </a:r>
             <a:br>
               <a:rPr lang="en-US" dirty="0"/>
             </a:br>
             <a:r>
-              <a:rPr lang="en-US" b="1" i="1" dirty="0" err="1">
-                <a:solidFill>
-                  <a:srgbClr val="660E7A"/>
-                </a:solidFill>
-              </a:rPr>
-              <a:t>myMockFn</a:t>
-            </a:r>
-            <a:r>
               <a:rPr lang="en-US" dirty="0"/>
-              <a:t>((err, </a:t>
+              <a:t>    .</a:t>
             </a:r>
             <a:r>
               <a:rPr lang="en-US" dirty="0" err="1"/>
-              <a:t>val</a:t>
-            </a:r>
-            <a:r>
-              <a:rPr lang="en-US" dirty="0"/>
-              <a:t>) =&gt; </a:t>
-            </a:r>
-            <a:r>
-              <a:rPr lang="en-US" b="1" dirty="0" err="1">
-                <a:solidFill>
-                  <a:srgbClr val="660E7A"/>
-                </a:solidFill>
-              </a:rPr>
-              <a:t>console</a:t>
-            </a:r>
-            <a:r>
-              <a:rPr lang="en-US" dirty="0" err="1"/>
-              <a:t>.</a:t>
-            </a:r>
-            <a:r>
-              <a:rPr lang="en-US" dirty="0" err="1">
-                <a:solidFill>
-                  <a:srgbClr val="7A7A43"/>
-                </a:solidFill>
-              </a:rPr>
-              <a:t>log</a:t>
+              <a:t>mockReturnValue</a:t>
             </a:r>
             <a:r>
               <a:rPr lang="en-US" dirty="0"/>
               <a:t>(</a:t>
             </a:r>
             <a:r>
-              <a:rPr lang="en-US" dirty="0" err="1"/>
-              <a:t>val</a:t>
+              <a:rPr lang="en-US" b="1" dirty="0">
+                <a:solidFill>
+                  <a:srgbClr val="000080"/>
+                </a:solidFill>
+              </a:rPr>
+              <a:t>true</a:t>
             </a:r>
             <a:r>
               <a:rPr lang="en-US" dirty="0"/>
-              <a:t>));</a:t>
+              <a:t>);</a:t>
             </a:r>
             <a:br>
               <a:rPr lang="en-US" dirty="0"/>
             </a:br>
             <a:r>
-              <a:rPr lang="en-US" i="1" dirty="0">
-                <a:solidFill>
-                  <a:srgbClr val="808080"/>
-                </a:solidFill>
-              </a:rPr>
-              <a:t>// &gt; true</a:t>
-            </a:r>
-            <a:br>
-              <a:rPr lang="en-US" i="1" dirty="0">
-                <a:solidFill>
-                  <a:srgbClr val="808080"/>
-                </a:solidFill>
-              </a:rPr>
-            </a:br>
-            <a:r>
-              <a:rPr lang="en-US" i="1" dirty="0">
-                <a:solidFill>
-                  <a:srgbClr val="808080"/>
-                </a:solidFill>
-              </a:rPr>
+              <a:rPr lang="en-US" dirty="0"/>
               <a:t/>
-            </a:r>
-            <a:br>
-              <a:rPr lang="en-US" i="1" dirty="0">
-                <a:solidFill>
-                  <a:srgbClr val="808080"/>
-                </a:solidFill>
-              </a:rPr>
-            </a:br>
-            <a:r>
-              <a:rPr lang="en-US" b="1" i="1" dirty="0" err="1">
-                <a:solidFill>
-                  <a:srgbClr val="660E7A"/>
-                </a:solidFill>
-              </a:rPr>
-              <a:t>myMockFn</a:t>
-            </a:r>
-            <a:r>
-              <a:rPr lang="en-US" dirty="0"/>
-              <a:t>((err, </a:t>
-            </a:r>
-            <a:r>
-              <a:rPr lang="en-US" dirty="0" err="1"/>
-              <a:t>val</a:t>
-            </a:r>
-            <a:r>
-              <a:rPr lang="en-US" dirty="0"/>
-              <a:t>) =&gt; </a:t>
-            </a:r>
-            <a:r>
-              <a:rPr lang="en-US" b="1" dirty="0" err="1">
-                <a:solidFill>
-                  <a:srgbClr val="660E7A"/>
-                </a:solidFill>
-              </a:rPr>
-              <a:t>console</a:t>
-            </a:r>
-            <a:r>
-              <a:rPr lang="en-US" dirty="0" err="1"/>
-              <a:t>.</a:t>
-            </a:r>
-            <a:r>
-              <a:rPr lang="en-US" dirty="0" err="1">
-                <a:solidFill>
-                  <a:srgbClr val="7A7A43"/>
-                </a:solidFill>
-              </a:rPr>
-              <a:t>log</a:t>
-            </a:r>
-            <a:r>
-              <a:rPr lang="en-US" dirty="0"/>
-              <a:t>(</a:t>
-            </a:r>
-            <a:r>
-              <a:rPr lang="en-US" dirty="0" err="1"/>
-              <a:t>val</a:t>
-            </a:r>
-            <a:r>
-              <a:rPr lang="en-US" dirty="0"/>
-              <a:t>));</a:t>
             </a:r>
             <a:br>
               <a:rPr lang="en-US" dirty="0"/>
             </a:br>
             <a:r>
+              <a:rPr lang="en-US" b="1" dirty="0" err="1">
+                <a:solidFill>
+                  <a:srgbClr val="660E7A"/>
+                </a:solidFill>
+              </a:rPr>
+              <a:t>console</a:t>
+            </a:r>
+            <a:r>
+              <a:rPr lang="en-US" dirty="0" err="1"/>
+              <a:t>.</a:t>
+            </a:r>
+            <a:r>
+              <a:rPr lang="en-US" dirty="0" err="1">
+                <a:solidFill>
+                  <a:srgbClr val="7A7A43"/>
+                </a:solidFill>
+              </a:rPr>
+              <a:t>log</a:t>
+            </a:r>
+            <a:r>
+              <a:rPr lang="en-US" dirty="0"/>
+              <a:t>(</a:t>
+            </a:r>
+            <a:r>
+              <a:rPr lang="en-US" b="1" i="1" dirty="0" err="1">
+                <a:solidFill>
+                  <a:srgbClr val="660E7A"/>
+                </a:solidFill>
+              </a:rPr>
+              <a:t>myMock</a:t>
+            </a:r>
+            <a:r>
+              <a:rPr lang="en-US" dirty="0"/>
+              <a:t>(), </a:t>
+            </a:r>
+            <a:r>
+              <a:rPr lang="en-US" b="1" i="1" dirty="0" err="1">
+                <a:solidFill>
+                  <a:srgbClr val="660E7A"/>
+                </a:solidFill>
+              </a:rPr>
+              <a:t>myMock</a:t>
+            </a:r>
+            <a:r>
+              <a:rPr lang="en-US" dirty="0"/>
+              <a:t>(), </a:t>
+            </a:r>
+            <a:r>
+              <a:rPr lang="en-US" b="1" i="1" dirty="0" err="1">
+                <a:solidFill>
+                  <a:srgbClr val="660E7A"/>
+                </a:solidFill>
+              </a:rPr>
+              <a:t>myMock</a:t>
+            </a:r>
+            <a:r>
+              <a:rPr lang="en-US" dirty="0"/>
+              <a:t>(), </a:t>
+            </a:r>
+            <a:r>
+              <a:rPr lang="en-US" b="1" i="1" dirty="0" err="1">
+                <a:solidFill>
+                  <a:srgbClr val="660E7A"/>
+                </a:solidFill>
+              </a:rPr>
+              <a:t>myMock</a:t>
+            </a:r>
+            <a:r>
+              <a:rPr lang="en-US" dirty="0"/>
+              <a:t>());</a:t>
+            </a:r>
+            <a:br>
+              <a:rPr lang="en-US" dirty="0"/>
+            </a:br>
+            <a:r>
               <a:rPr lang="en-US" i="1" dirty="0">
                 <a:solidFill>
                   <a:srgbClr val="808080"/>
                 </a:solidFill>
               </a:rPr>
-              <a:t>// &gt; </a:t>
-            </a:r>
-            <a:r>
-              <a:rPr lang="en-US" i="1" dirty="0" smtClean="0">
+              <a:t>// &gt; 10, 'x', true, true</a:t>
+            </a:r>
+            <a:br>
+              <a:rPr lang="en-US" i="1" dirty="0">
                 <a:solidFill>
                   <a:srgbClr val="808080"/>
                 </a:solidFill>
               </a:rPr>
-              <a:t>true</a:t>
-            </a:r>
+            </a:br>
+            <a:endParaRPr lang="en-US" i="1" dirty="0" smtClean="0">
+              <a:solidFill>
+                <a:srgbClr val="808080"/>
+              </a:solidFill>
+            </a:endParaRPr>
           </a:p>
           <a:p>
             <a:pPr marL="342900" indent="-342900">
               <a:buFont typeface="Arial" charset="0"/>
               <a:buChar char="•"/>
             </a:pPr>
-            <a:r>
-              <a:rPr lang="en-US" i="1" dirty="0" smtClean="0">
-                <a:solidFill>
-                  <a:srgbClr val="808080"/>
-                </a:solidFill>
-              </a:rPr>
-              <a:t>How many parameters does the Mock Function have ???</a:t>
-            </a:r>
-          </a:p>
-          <a:p>
-            <a:pPr marL="342900" indent="-342900">
-              <a:buFont typeface="Arial" charset="0"/>
-              <a:buChar char="•"/>
-            </a:pPr>
-            <a:endParaRPr lang="en-US" dirty="0" smtClean="0">
-              <a:solidFill>
-                <a:srgbClr val="FF0000"/>
-              </a:solidFill>
-            </a:endParaRPr>
+            <a:endParaRPr lang="en-US" dirty="0" smtClean="0"/>
           </a:p>
         </p:txBody>
       </p:sp>
@@ -15488,7 +15746,7 @@
           <a:p>
             <a:r>
               <a:rPr lang="en-US" dirty="0" smtClean="0"/>
-              <a:t>Custom Mock Function</a:t>
+              <a:t>Return Known Values</a:t>
             </a:r>
             <a:endParaRPr lang="en-US" dirty="0"/>
           </a:p>
@@ -15497,7 +15755,7 @@
     </p:spTree>
     <p:extLst>
       <p:ext uri="{BB962C8B-B14F-4D97-AF65-F5344CB8AC3E}">
-        <p14:creationId xmlns:p14="http://schemas.microsoft.com/office/powerpoint/2010/main" val="262539984"/>
+        <p14:creationId xmlns:p14="http://schemas.microsoft.com/office/powerpoint/2010/main" val="326476067"/>
       </p:ext>
     </p:extLst>
   </p:cSld>
@@ -15841,54 +16099,8 @@
                   <a:srgbClr val="808080"/>
                 </a:solidFill>
               </a:rPr>
-              <a:t>How many parameters does the Mock Function </a:t>
-            </a:r>
-            <a:r>
-              <a:rPr lang="en-US" i="1" dirty="0" smtClean="0">
-                <a:solidFill>
-                  <a:srgbClr val="808080"/>
-                </a:solidFill>
-              </a:rPr>
-              <a:t>have? </a:t>
-            </a:r>
-            <a:r>
-              <a:rPr lang="en-US" i="1" dirty="0" smtClean="0">
-                <a:solidFill>
-                  <a:srgbClr val="FF0000"/>
-                </a:solidFill>
-                <a:sym typeface="Wingdings"/>
-              </a:rPr>
-              <a:t> one</a:t>
-            </a:r>
-          </a:p>
-          <a:p>
-            <a:pPr marL="631825" lvl="1" indent="-342900">
-              <a:buFont typeface="Arial" charset="0"/>
-              <a:buChar char="•"/>
-            </a:pPr>
-            <a:r>
-              <a:rPr lang="en-US" i="1" dirty="0" smtClean="0">
-                <a:solidFill>
-                  <a:srgbClr val="FF0000"/>
-                </a:solidFill>
-                <a:sym typeface="Wingdings"/>
-              </a:rPr>
-              <a:t>It’s </a:t>
-            </a:r>
-            <a:r>
-              <a:rPr lang="en-US" i="1" smtClean="0">
-                <a:solidFill>
-                  <a:srgbClr val="FF0000"/>
-                </a:solidFill>
-                <a:sym typeface="Wingdings"/>
-              </a:rPr>
-              <a:t>a function parameter</a:t>
-            </a:r>
-            <a:endParaRPr lang="en-US" i="1" dirty="0" smtClean="0">
-              <a:solidFill>
-                <a:srgbClr val="808080"/>
-              </a:solidFill>
-            </a:endParaRPr>
+              <a:t>How many parameters does the Mock Function have ???</a:t>
+            </a:r>
           </a:p>
           <a:p>
             <a:pPr marL="342900" indent="-342900">
@@ -15929,7 +16141,7 @@
     </p:spTree>
     <p:extLst>
       <p:ext uri="{BB962C8B-B14F-4D97-AF65-F5344CB8AC3E}">
-        <p14:creationId xmlns:p14="http://schemas.microsoft.com/office/powerpoint/2010/main" val="833909691"/>
+        <p14:creationId xmlns:p14="http://schemas.microsoft.com/office/powerpoint/2010/main" val="262539984"/>
       </p:ext>
     </p:extLst>
   </p:cSld>
@@ -15985,15 +16197,8 @@
             </a:pPr>
             <a:r>
               <a:rPr lang="en-US" dirty="0" smtClean="0"/>
-              <a:t>The mock function can change the values returned</a:t>
-            </a:r>
-          </a:p>
-          <a:p>
-            <a:pPr marL="342900" indent="-342900">
-              <a:buFont typeface="Arial" charset="0"/>
-              <a:buChar char="•"/>
-            </a:pPr>
-            <a:endParaRPr lang="en-US" dirty="0"/>
+              <a:t>Create your own Mock Function</a:t>
+            </a:r>
           </a:p>
           <a:p>
             <a:pPr marL="631825" lvl="1" indent="-342900">
@@ -16001,6 +16206,16 @@
               <a:buChar char="•"/>
             </a:pPr>
             <a:r>
+              <a:rPr lang="en-US" dirty="0" smtClean="0"/>
+              <a:t>To return more than just the values</a:t>
+            </a:r>
+          </a:p>
+          <a:p>
+            <a:pPr marL="917575" lvl="2" indent="-342900">
+              <a:buFont typeface="Arial" charset="0"/>
+              <a:buChar char="•"/>
+            </a:pPr>
+            <a:r>
               <a:rPr lang="en-US" b="1" dirty="0" err="1">
                 <a:solidFill>
                   <a:srgbClr val="000080"/>
@@ -16037,16 +16252,8 @@
               <a:t>= </a:t>
             </a:r>
             <a:r>
-              <a:rPr lang="en-US" b="1" dirty="0" err="1">
-                <a:solidFill>
-                  <a:srgbClr val="660E7A"/>
-                </a:solidFill>
-              </a:rPr>
-              <a:t>jest</a:t>
-            </a:r>
-            <a:r>
               <a:rPr lang="en-US" dirty="0" err="1"/>
-              <a:t>.</a:t>
+              <a:t>jest.</a:t>
             </a:r>
             <a:r>
               <a:rPr lang="en-US" b="1" dirty="0" err="1">
@@ -16058,57 +16265,89 @@
             </a:r>
             <a:r>
               <a:rPr lang="en-US" dirty="0"/>
-              <a:t>(() =&gt; </a:t>
+              <a:t>(</a:t>
+            </a:r>
+            <a:r>
+              <a:rPr lang="en-US" dirty="0" err="1"/>
+              <a:t>cb</a:t>
+            </a:r>
+            <a:r>
+              <a:rPr lang="en-US" dirty="0"/>
+              <a:t> =&gt; </a:t>
+            </a:r>
+            <a:r>
+              <a:rPr lang="en-US" dirty="0" err="1"/>
+              <a:t>cb</a:t>
+            </a:r>
+            <a:r>
+              <a:rPr lang="en-US" dirty="0"/>
+              <a:t>(</a:t>
             </a:r>
             <a:r>
               <a:rPr lang="en-US" b="1" dirty="0">
                 <a:solidFill>
-                  <a:srgbClr val="008000"/>
+                  <a:srgbClr val="000080"/>
                 </a:solidFill>
               </a:rPr>
-              <a:t>'default'</a:t>
+              <a:t>null</a:t>
             </a:r>
             <a:r>
               <a:rPr lang="en-US" dirty="0"/>
-              <a:t>)</a:t>
+              <a:t>, </a:t>
+            </a:r>
+            <a:r>
+              <a:rPr lang="en-US" b="1" dirty="0">
+                <a:solidFill>
+                  <a:srgbClr val="000080"/>
+                </a:solidFill>
+              </a:rPr>
+              <a:t>true</a:t>
+            </a:r>
+            <a:r>
+              <a:rPr lang="en-US" dirty="0"/>
+              <a:t>));</a:t>
             </a:r>
             <a:br>
               <a:rPr lang="en-US" dirty="0"/>
             </a:br>
             <a:r>
               <a:rPr lang="en-US" dirty="0"/>
-              <a:t>    .</a:t>
-            </a:r>
-            <a:r>
-              <a:rPr lang="en-US" dirty="0" err="1">
-                <a:solidFill>
-                  <a:srgbClr val="7A7A43"/>
-                </a:solidFill>
-              </a:rPr>
-              <a:t>mockImplementationOnce</a:t>
-            </a:r>
-            <a:r>
-              <a:rPr lang="en-US" dirty="0"/>
-              <a:t>(() =&gt; </a:t>
-            </a:r>
-            <a:r>
-              <a:rPr lang="en-US" b="1" dirty="0">
-                <a:solidFill>
-                  <a:srgbClr val="008000"/>
-                </a:solidFill>
-              </a:rPr>
-              <a:t>'first call'</a:t>
-            </a:r>
-            <a:r>
-              <a:rPr lang="en-US" dirty="0"/>
-              <a:t>)</a:t>
+              <a:t/>
             </a:r>
             <a:br>
               <a:rPr lang="en-US" dirty="0"/>
             </a:br>
             <a:r>
+              <a:rPr lang="en-US" b="1" i="1" dirty="0" err="1">
+                <a:solidFill>
+                  <a:srgbClr val="660E7A"/>
+                </a:solidFill>
+              </a:rPr>
+              <a:t>myMockFn</a:t>
+            </a:r>
+            <a:r>
               <a:rPr lang="en-US" dirty="0"/>
-              <a:t>    .</a:t>
+              <a:t>((err, </a:t>
+            </a:r>
+            <a:r>
+              <a:rPr lang="en-US" dirty="0" err="1"/>
+              <a:t>val</a:t>
+            </a:r>
+            <a:r>
+              <a:rPr lang="en-US" dirty="0"/>
+              <a:t>) =&gt; </a:t>
+            </a:r>
+            <a:r>
+              <a:rPr lang="en-US" b="1" dirty="0" err="1">
+                <a:solidFill>
+                  <a:srgbClr val="660E7A"/>
+                </a:solidFill>
+              </a:rPr>
+              <a:t>console</a:t>
+            </a:r>
+            <a:r>
+              <a:rPr lang="en-US" dirty="0" err="1"/>
+              <a:t>.</a:t>
             </a:r>
             <a:r>
               <a:rPr lang="en-US" dirty="0" err="1">
@@ -16116,118 +16355,187 @@
                   <a:srgbClr val="7A7A43"/>
                 </a:solidFill>
               </a:rPr>
-              <a:t>mockImplementationOnce</a:t>
+              <a:t>log</a:t>
             </a:r>
             <a:r>
               <a:rPr lang="en-US" dirty="0"/>
-              <a:t>(() =&gt; </a:t>
-            </a:r>
-            <a:r>
-              <a:rPr lang="en-US" b="1" dirty="0">
-                <a:solidFill>
-                  <a:srgbClr val="008000"/>
-                </a:solidFill>
-              </a:rPr>
-              <a:t>'second call'</a:t>
+              <a:t>(</a:t>
+            </a:r>
+            <a:r>
+              <a:rPr lang="en-US" dirty="0" err="1"/>
+              <a:t>val</a:t>
             </a:r>
             <a:r>
               <a:rPr lang="en-US" dirty="0"/>
-              <a:t>);</a:t>
+              <a:t>));</a:t>
             </a:r>
             <a:br>
               <a:rPr lang="en-US" dirty="0"/>
             </a:br>
             <a:r>
+              <a:rPr lang="en-US" i="1" dirty="0">
+                <a:solidFill>
+                  <a:srgbClr val="808080"/>
+                </a:solidFill>
+              </a:rPr>
+              <a:t>// &gt; true</a:t>
+            </a:r>
+            <a:br>
+              <a:rPr lang="en-US" i="1" dirty="0">
+                <a:solidFill>
+                  <a:srgbClr val="808080"/>
+                </a:solidFill>
+              </a:rPr>
+            </a:br>
+            <a:r>
+              <a:rPr lang="en-US" i="1" dirty="0">
+                <a:solidFill>
+                  <a:srgbClr val="808080"/>
+                </a:solidFill>
+              </a:rPr>
+              <a:t/>
+            </a:r>
+            <a:br>
+              <a:rPr lang="en-US" i="1" dirty="0">
+                <a:solidFill>
+                  <a:srgbClr val="808080"/>
+                </a:solidFill>
+              </a:rPr>
+            </a:br>
+            <a:r>
+              <a:rPr lang="en-US" b="1" i="1" dirty="0" err="1">
+                <a:solidFill>
+                  <a:srgbClr val="660E7A"/>
+                </a:solidFill>
+              </a:rPr>
+              <a:t>myMockFn</a:t>
+            </a:r>
+            <a:r>
               <a:rPr lang="en-US" dirty="0"/>
-              <a:t/>
+              <a:t>((err, </a:t>
+            </a:r>
+            <a:r>
+              <a:rPr lang="en-US" dirty="0" err="1"/>
+              <a:t>val</a:t>
+            </a:r>
+            <a:r>
+              <a:rPr lang="en-US" dirty="0"/>
+              <a:t>) =&gt; </a:t>
+            </a:r>
+            <a:r>
+              <a:rPr lang="en-US" b="1" dirty="0" err="1">
+                <a:solidFill>
+                  <a:srgbClr val="660E7A"/>
+                </a:solidFill>
+              </a:rPr>
+              <a:t>console</a:t>
+            </a:r>
+            <a:r>
+              <a:rPr lang="en-US" dirty="0" err="1"/>
+              <a:t>.</a:t>
+            </a:r>
+            <a:r>
+              <a:rPr lang="en-US" dirty="0" err="1">
+                <a:solidFill>
+                  <a:srgbClr val="7A7A43"/>
+                </a:solidFill>
+              </a:rPr>
+              <a:t>log</a:t>
+            </a:r>
+            <a:r>
+              <a:rPr lang="en-US" dirty="0"/>
+              <a:t>(</a:t>
+            </a:r>
+            <a:r>
+              <a:rPr lang="en-US" dirty="0" err="1"/>
+              <a:t>val</a:t>
+            </a:r>
+            <a:r>
+              <a:rPr lang="en-US" dirty="0"/>
+              <a:t>));</a:t>
             </a:r>
             <a:br>
               <a:rPr lang="en-US" dirty="0"/>
             </a:br>
             <a:r>
-              <a:rPr lang="en-US" b="1" i="1" dirty="0" err="1">
-                <a:solidFill>
-                  <a:srgbClr val="660E7A"/>
+              <a:rPr lang="en-US" i="1" dirty="0">
+                <a:solidFill>
+                  <a:srgbClr val="808080"/>
                 </a:solidFill>
               </a:rPr>
-              <a:t>console</a:t>
-            </a:r>
-            <a:r>
-              <a:rPr lang="en-US" dirty="0" err="1"/>
-              <a:t>.</a:t>
-            </a:r>
-            <a:r>
-              <a:rPr lang="en-US" dirty="0" err="1">
-                <a:solidFill>
-                  <a:srgbClr val="7A7A43"/>
+              <a:t>// &gt; </a:t>
+            </a:r>
+            <a:r>
+              <a:rPr lang="en-US" i="1" dirty="0" smtClean="0">
+                <a:solidFill>
+                  <a:srgbClr val="808080"/>
                 </a:solidFill>
               </a:rPr>
-              <a:t>log</a:t>
-            </a:r>
-            <a:r>
-              <a:rPr lang="en-US" dirty="0"/>
-              <a:t>(</a:t>
-            </a:r>
-            <a:r>
-              <a:rPr lang="en-US" b="1" i="1" dirty="0" err="1">
-                <a:solidFill>
-                  <a:srgbClr val="660E7A"/>
+              <a:t>true</a:t>
+            </a:r>
+          </a:p>
+          <a:p>
+            <a:pPr marL="342900" indent="-342900">
+              <a:buFont typeface="Arial" charset="0"/>
+              <a:buChar char="•"/>
+            </a:pPr>
+            <a:r>
+              <a:rPr lang="en-US" i="1" dirty="0" smtClean="0">
+                <a:solidFill>
+                  <a:srgbClr val="808080"/>
                 </a:solidFill>
               </a:rPr>
-              <a:t>myMockFn</a:t>
-            </a:r>
-            <a:r>
-              <a:rPr lang="en-US" dirty="0"/>
-              <a:t>(), </a:t>
-            </a:r>
-            <a:r>
-              <a:rPr lang="en-US" b="1" i="1" dirty="0" err="1">
-                <a:solidFill>
-                  <a:srgbClr val="660E7A"/>
-                </a:solidFill>
+              <a:t>How many parameters does the Mock Function have? </a:t>
+            </a:r>
+            <a:r>
+              <a:rPr lang="en-US" i="1" dirty="0" smtClean="0">
+                <a:solidFill>
+                  <a:srgbClr val="FF0000"/>
+                </a:solidFill>
+                <a:sym typeface="Wingdings"/>
               </a:rPr>
-              <a:t>myMockFn</a:t>
-            </a:r>
-            <a:r>
-              <a:rPr lang="en-US" dirty="0"/>
-              <a:t>(), </a:t>
-            </a:r>
-            <a:r>
-              <a:rPr lang="en-US" b="1" i="1" dirty="0" err="1">
-                <a:solidFill>
-                  <a:srgbClr val="660E7A"/>
-                </a:solidFill>
+              <a:t> one</a:t>
+            </a:r>
+          </a:p>
+          <a:p>
+            <a:pPr marL="631825" lvl="1" indent="-342900">
+              <a:buFont typeface="Arial" charset="0"/>
+              <a:buChar char="•"/>
+            </a:pPr>
+            <a:r>
+              <a:rPr lang="en-US" i="1" dirty="0" smtClean="0">
+                <a:solidFill>
+                  <a:srgbClr val="FF0000"/>
+                </a:solidFill>
+                <a:sym typeface="Wingdings"/>
               </a:rPr>
-              <a:t>myMockFn</a:t>
-            </a:r>
-            <a:r>
-              <a:rPr lang="en-US" dirty="0"/>
-              <a:t>(), </a:t>
-            </a:r>
-            <a:r>
-              <a:rPr lang="en-US" b="1" i="1" dirty="0" err="1">
-                <a:solidFill>
-                  <a:srgbClr val="660E7A"/>
-                </a:solidFill>
+              <a:t>It’s </a:t>
+            </a:r>
+            <a:r>
+              <a:rPr lang="en-US" i="1" smtClean="0">
+                <a:solidFill>
+                  <a:srgbClr val="FF0000"/>
+                </a:solidFill>
+                <a:sym typeface="Wingdings"/>
               </a:rPr>
-              <a:t>myMockFn</a:t>
-            </a:r>
-            <a:r>
-              <a:rPr lang="en-US" dirty="0"/>
-              <a:t>());</a:t>
-            </a:r>
-            <a:br>
-              <a:rPr lang="en-US" dirty="0"/>
-            </a:br>
-            <a:r>
-              <a:rPr lang="en-US" i="1" dirty="0">
-                <a:solidFill>
-                  <a:srgbClr val="808080"/>
-                </a:solidFill>
-              </a:rPr>
-              <a:t>// &gt; 'first call', 'second call', 'default', 'default'</a:t>
-            </a:r>
-            <a:endParaRPr lang="en-US" dirty="0" smtClean="0"/>
+              <a:t>a function parameter</a:t>
+            </a:r>
+            <a:endParaRPr lang="en-US" i="1" dirty="0" smtClean="0">
+              <a:solidFill>
+                <a:srgbClr val="808080"/>
+              </a:solidFill>
+            </a:endParaRPr>
+          </a:p>
+          <a:p>
+            <a:pPr marL="342900" indent="-342900">
+              <a:buFont typeface="Arial" charset="0"/>
+              <a:buChar char="•"/>
+            </a:pPr>
+            <a:endParaRPr lang="en-US" dirty="0" smtClean="0">
+              <a:solidFill>
+                <a:srgbClr val="FF0000"/>
+              </a:solidFill>
+            </a:endParaRPr>
           </a:p>
         </p:txBody>
       </p:sp>
@@ -16248,7 +16556,7 @@
           <a:p>
             <a:r>
               <a:rPr lang="en-US" dirty="0" smtClean="0"/>
-              <a:t>Change the Values</a:t>
+              <a:t>Custom Mock Function</a:t>
             </a:r>
             <a:endParaRPr lang="en-US" dirty="0"/>
           </a:p>
@@ -16257,7 +16565,7 @@
     </p:spTree>
     <p:extLst>
       <p:ext uri="{BB962C8B-B14F-4D97-AF65-F5344CB8AC3E}">
-        <p14:creationId xmlns:p14="http://schemas.microsoft.com/office/powerpoint/2010/main" val="1706180600"/>
+        <p14:creationId xmlns:p14="http://schemas.microsoft.com/office/powerpoint/2010/main" val="833909691"/>
       </p:ext>
     </p:extLst>
   </p:cSld>
@@ -16312,16 +16620,8 @@
               <a:buChar char="•"/>
             </a:pPr>
             <a:r>
-              <a:rPr lang="en-US" dirty="0" smtClean="0">
-                <a:solidFill>
-                  <a:srgbClr val="FF0000"/>
-                </a:solidFill>
-              </a:rPr>
-              <a:t>Jest</a:t>
-            </a:r>
-            <a:r>
-              <a:rPr lang="en-US" dirty="0" smtClean="0"/>
-              <a:t> has some custom matchers for validating the calls</a:t>
+              <a:rPr lang="en-US" dirty="0" smtClean="0"/>
+              <a:t>The mock function can change the values returned</a:t>
             </a:r>
           </a:p>
           <a:p>
@@ -16337,124 +16637,138 @@
               <a:buChar char="•"/>
             </a:pPr>
             <a:r>
-              <a:rPr lang="en-US" i="1" dirty="0">
-                <a:solidFill>
-                  <a:srgbClr val="808080"/>
+              <a:rPr lang="en-US" b="1" dirty="0" err="1">
+                <a:solidFill>
+                  <a:srgbClr val="000080"/>
                 </a:solidFill>
               </a:rPr>
-              <a:t>// The mock function was called at least once</a:t>
-            </a:r>
-            <a:br>
-              <a:rPr lang="en-US" i="1" dirty="0">
-                <a:solidFill>
-                  <a:srgbClr val="808080"/>
+              <a:t>const</a:t>
+            </a:r>
+            <a:r>
+              <a:rPr lang="en-US" b="1" dirty="0">
+                <a:solidFill>
+                  <a:srgbClr val="000080"/>
                 </a:solidFill>
               </a:rPr>
-            </a:br>
+              <a:t> </a:t>
+            </a:r>
+            <a:r>
+              <a:rPr lang="en-US" b="1" i="1" dirty="0" err="1">
+                <a:solidFill>
+                  <a:srgbClr val="660E7A"/>
+                </a:solidFill>
+              </a:rPr>
+              <a:t>myMockFn</a:t>
+            </a:r>
             <a:r>
               <a:rPr lang="en-US" b="1" i="1" dirty="0">
                 <a:solidFill>
                   <a:srgbClr val="660E7A"/>
                 </a:solidFill>
               </a:rPr>
-              <a:t>expect</a:t>
+              <a:t> </a:t>
             </a:r>
             <a:r>
               <a:rPr lang="en-US" dirty="0"/>
-              <a:t>(</a:t>
+              <a:t>= </a:t>
+            </a:r>
+            <a:r>
+              <a:rPr lang="en-US" b="1" dirty="0" err="1">
+                <a:solidFill>
+                  <a:srgbClr val="660E7A"/>
+                </a:solidFill>
+              </a:rPr>
+              <a:t>jest</a:t>
             </a:r>
             <a:r>
               <a:rPr lang="en-US" dirty="0" err="1"/>
-              <a:t>mockFunc</a:t>
+              <a:t>.</a:t>
+            </a:r>
+            <a:r>
+              <a:rPr lang="en-US" b="1" dirty="0" err="1">
+                <a:solidFill>
+                  <a:srgbClr val="660E7A"/>
+                </a:solidFill>
+              </a:rPr>
+              <a:t>fn</a:t>
             </a:r>
             <a:r>
               <a:rPr lang="en-US" dirty="0"/>
-              <a:t>).</a:t>
-            </a:r>
-            <a:r>
-              <a:rPr lang="en-US" b="1" dirty="0" err="1">
-                <a:solidFill>
-                  <a:srgbClr val="660E7A"/>
+              <a:t>(() =&gt; </a:t>
+            </a:r>
+            <a:r>
+              <a:rPr lang="en-US" b="1" dirty="0">
+                <a:solidFill>
+                  <a:srgbClr val="008000"/>
                 </a:solidFill>
               </a:rPr>
-              <a:t>toBeCalled</a:t>
+              <a:t>'default'</a:t>
             </a:r>
             <a:r>
               <a:rPr lang="en-US" dirty="0"/>
-              <a:t>();</a:t>
+              <a:t>)</a:t>
             </a:r>
             <a:br>
               <a:rPr lang="en-US" dirty="0"/>
             </a:br>
             <a:r>
               <a:rPr lang="en-US" dirty="0"/>
-              <a:t/>
+              <a:t>    .</a:t>
+            </a:r>
+            <a:r>
+              <a:rPr lang="en-US" dirty="0" err="1">
+                <a:solidFill>
+                  <a:srgbClr val="7A7A43"/>
+                </a:solidFill>
+              </a:rPr>
+              <a:t>mockImplementationOnce</a:t>
+            </a:r>
+            <a:r>
+              <a:rPr lang="en-US" dirty="0"/>
+              <a:t>(() =&gt; </a:t>
+            </a:r>
+            <a:r>
+              <a:rPr lang="en-US" b="1" dirty="0">
+                <a:solidFill>
+                  <a:srgbClr val="008000"/>
+                </a:solidFill>
+              </a:rPr>
+              <a:t>'first call'</a:t>
+            </a:r>
+            <a:r>
+              <a:rPr lang="en-US" dirty="0"/>
+              <a:t>)</a:t>
             </a:r>
             <a:br>
               <a:rPr lang="en-US" dirty="0"/>
             </a:br>
             <a:r>
-              <a:rPr lang="en-US" i="1" dirty="0">
-                <a:solidFill>
-                  <a:srgbClr val="808080"/>
+              <a:rPr lang="en-US" dirty="0"/>
+              <a:t>    .</a:t>
+            </a:r>
+            <a:r>
+              <a:rPr lang="en-US" dirty="0" err="1">
+                <a:solidFill>
+                  <a:srgbClr val="7A7A43"/>
                 </a:solidFill>
               </a:rPr>
-              <a:t>// The mock function was called at least once with the specified </a:t>
-            </a:r>
-            <a:r>
-              <a:rPr lang="en-US" i="1" dirty="0" err="1">
-                <a:solidFill>
-                  <a:srgbClr val="808080"/>
+              <a:t>mockImplementationOnce</a:t>
+            </a:r>
+            <a:r>
+              <a:rPr lang="en-US" dirty="0"/>
+              <a:t>(() =&gt; </a:t>
+            </a:r>
+            <a:r>
+              <a:rPr lang="en-US" b="1" dirty="0">
+                <a:solidFill>
+                  <a:srgbClr val="008000"/>
                 </a:solidFill>
               </a:rPr>
-              <a:t>args</a:t>
-            </a:r>
-            <a:r>
-              <a:rPr lang="en-US" i="1" dirty="0">
-                <a:solidFill>
-                  <a:srgbClr val="808080"/>
-                </a:solidFill>
-              </a:rPr>
-              <a:t/>
-            </a:r>
-            <a:br>
-              <a:rPr lang="en-US" i="1" dirty="0">
-                <a:solidFill>
-                  <a:srgbClr val="808080"/>
-                </a:solidFill>
-              </a:rPr>
-            </a:br>
-            <a:r>
-              <a:rPr lang="en-US" b="1" i="1" dirty="0">
-                <a:solidFill>
-                  <a:srgbClr val="660E7A"/>
-                </a:solidFill>
-              </a:rPr>
-              <a:t>expect</a:t>
+              <a:t>'second call'</a:t>
             </a:r>
             <a:r>
               <a:rPr lang="en-US" dirty="0"/>
-              <a:t>(</a:t>
-            </a:r>
-            <a:r>
-              <a:rPr lang="en-US" dirty="0" err="1"/>
-              <a:t>mockFunc</a:t>
-            </a:r>
-            <a:r>
-              <a:rPr lang="en-US" dirty="0"/>
-              <a:t>).</a:t>
-            </a:r>
-            <a:r>
-              <a:rPr lang="en-US" b="1" dirty="0" err="1">
-                <a:solidFill>
-                  <a:srgbClr val="660E7A"/>
-                </a:solidFill>
-              </a:rPr>
-              <a:t>toBeCalledWith</a:t>
-            </a:r>
-            <a:r>
-              <a:rPr lang="en-US" dirty="0"/>
-              <a:t>(arg1, arg2);</a:t>
+              <a:t>);</a:t>
             </a:r>
             <a:br>
               <a:rPr lang="en-US" dirty="0"/>
@@ -16467,78 +16781,88 @@
               <a:rPr lang="en-US" dirty="0"/>
             </a:br>
             <a:r>
-              <a:rPr lang="en-US" i="1" dirty="0">
-                <a:solidFill>
-                  <a:srgbClr val="808080"/>
+              <a:rPr lang="en-US" b="1" i="1" dirty="0" err="1">
+                <a:solidFill>
+                  <a:srgbClr val="660E7A"/>
                 </a:solidFill>
               </a:rPr>
-              <a:t>// The last call to the mock function was called with the specified </a:t>
-            </a:r>
-            <a:r>
-              <a:rPr lang="en-US" i="1" dirty="0" err="1">
-                <a:solidFill>
-                  <a:srgbClr val="808080"/>
+              <a:t>console</a:t>
+            </a:r>
+            <a:r>
+              <a:rPr lang="en-US" dirty="0" err="1"/>
+              <a:t>.</a:t>
+            </a:r>
+            <a:r>
+              <a:rPr lang="en-US" dirty="0" err="1">
+                <a:solidFill>
+                  <a:srgbClr val="7A7A43"/>
                 </a:solidFill>
               </a:rPr>
-              <a:t>args</a:t>
-            </a:r>
-            <a:r>
-              <a:rPr lang="en-US" i="1" dirty="0">
-                <a:solidFill>
-                  <a:srgbClr val="808080"/>
-                </a:solidFill>
-              </a:rPr>
-              <a:t/>
-            </a:r>
-            <a:br>
-              <a:rPr lang="en-US" i="1" dirty="0">
-                <a:solidFill>
-                  <a:srgbClr val="808080"/>
-                </a:solidFill>
-              </a:rPr>
-            </a:br>
-            <a:r>
-              <a:rPr lang="en-US" b="1" i="1" dirty="0">
-                <a:solidFill>
-                  <a:srgbClr val="660E7A"/>
-                </a:solidFill>
-              </a:rPr>
-              <a:t>expect</a:t>
+              <a:t>log</a:t>
             </a:r>
             <a:r>
               <a:rPr lang="en-US" dirty="0"/>
               <a:t>(</a:t>
             </a:r>
             <a:r>
-              <a:rPr lang="en-US" dirty="0" err="1"/>
-              <a:t>mockFunc</a:t>
+              <a:rPr lang="en-US" b="1" i="1" dirty="0" err="1">
+                <a:solidFill>
+                  <a:srgbClr val="660E7A"/>
+                </a:solidFill>
+              </a:rPr>
+              <a:t>myMockFn</a:t>
             </a:r>
             <a:r>
               <a:rPr lang="en-US" dirty="0"/>
-              <a:t>).</a:t>
-            </a:r>
-            <a:r>
-              <a:rPr lang="en-US" b="1" dirty="0" err="1">
+              <a:t>(), </a:t>
+            </a:r>
+            <a:r>
+              <a:rPr lang="en-US" b="1" i="1" dirty="0" err="1">
                 <a:solidFill>
                   <a:srgbClr val="660E7A"/>
                 </a:solidFill>
               </a:rPr>
-              <a:t>lastCalledWith</a:t>
+              <a:t>myMockFn</a:t>
             </a:r>
             <a:r>
               <a:rPr lang="en-US" dirty="0"/>
-              <a:t>(arg1, arg2);</a:t>
+              <a:t>(), </a:t>
+            </a:r>
+            <a:r>
+              <a:rPr lang="en-US" b="1" i="1" dirty="0" err="1">
+                <a:solidFill>
+                  <a:srgbClr val="660E7A"/>
+                </a:solidFill>
+              </a:rPr>
+              <a:t>myMockFn</a:t>
+            </a:r>
+            <a:r>
+              <a:rPr lang="en-US" dirty="0"/>
+              <a:t>(), </a:t>
+            </a:r>
+            <a:r>
+              <a:rPr lang="en-US" b="1" i="1" dirty="0" err="1">
+                <a:solidFill>
+                  <a:srgbClr val="660E7A"/>
+                </a:solidFill>
+              </a:rPr>
+              <a:t>myMockFn</a:t>
+            </a:r>
+            <a:r>
+              <a:rPr lang="en-US" dirty="0"/>
+              <a:t>());</a:t>
             </a:r>
             <a:br>
               <a:rPr lang="en-US" dirty="0"/>
             </a:br>
             <a:r>
-              <a:rPr lang="en-US" dirty="0"/>
-              <a:t/>
-            </a:r>
-            <a:br>
-              <a:rPr lang="en-US" dirty="0"/>
-            </a:br>
+              <a:rPr lang="en-US" i="1" dirty="0">
+                <a:solidFill>
+                  <a:srgbClr val="808080"/>
+                </a:solidFill>
+              </a:rPr>
+              <a:t>// &gt; 'first call', 'second call', 'default', 'default'</a:t>
+            </a:r>
             <a:endParaRPr lang="en-US" dirty="0" smtClean="0"/>
           </a:p>
         </p:txBody>
@@ -16560,7 +16884,7 @@
           <a:p>
             <a:r>
               <a:rPr lang="en-US" dirty="0" smtClean="0"/>
-              <a:t>Custom Matchers</a:t>
+              <a:t>Change the Values</a:t>
             </a:r>
             <a:endParaRPr lang="en-US" dirty="0"/>
           </a:p>
@@ -16569,7 +16893,7 @@
     </p:spTree>
     <p:extLst>
       <p:ext uri="{BB962C8B-B14F-4D97-AF65-F5344CB8AC3E}">
-        <p14:creationId xmlns:p14="http://schemas.microsoft.com/office/powerpoint/2010/main" val="428205809"/>
+        <p14:creationId xmlns:p14="http://schemas.microsoft.com/office/powerpoint/2010/main" val="1706180600"/>
       </p:ext>
     </p:extLst>
   </p:cSld>
